--- a/Introdução ao R.pptx
+++ b/Introdução ao R.pptx
@@ -5,30 +5,31 @@
     <p:sldMasterId id="2147483660" r:id="rId1"/>
   </p:sldMasterIdLst>
   <p:notesMasterIdLst>
-    <p:notesMasterId r:id="rId23"/>
+    <p:notesMasterId r:id="rId24"/>
   </p:notesMasterIdLst>
   <p:sldIdLst>
     <p:sldId id="256" r:id="rId2"/>
     <p:sldId id="308" r:id="rId3"/>
-    <p:sldId id="259" r:id="rId4"/>
-    <p:sldId id="305" r:id="rId5"/>
-    <p:sldId id="306" r:id="rId6"/>
-    <p:sldId id="268" r:id="rId7"/>
-    <p:sldId id="288" r:id="rId8"/>
-    <p:sldId id="309" r:id="rId9"/>
-    <p:sldId id="304" r:id="rId10"/>
-    <p:sldId id="302" r:id="rId11"/>
-    <p:sldId id="266" r:id="rId12"/>
-    <p:sldId id="271" r:id="rId13"/>
-    <p:sldId id="273" r:id="rId14"/>
-    <p:sldId id="278" r:id="rId15"/>
-    <p:sldId id="280" r:id="rId16"/>
+    <p:sldId id="310" r:id="rId4"/>
+    <p:sldId id="259" r:id="rId5"/>
+    <p:sldId id="305" r:id="rId6"/>
+    <p:sldId id="306" r:id="rId7"/>
+    <p:sldId id="268" r:id="rId8"/>
+    <p:sldId id="288" r:id="rId9"/>
+    <p:sldId id="309" r:id="rId10"/>
+    <p:sldId id="304" r:id="rId11"/>
+    <p:sldId id="302" r:id="rId12"/>
+    <p:sldId id="266" r:id="rId13"/>
+    <p:sldId id="271" r:id="rId14"/>
+    <p:sldId id="273" r:id="rId15"/>
+    <p:sldId id="278" r:id="rId16"/>
     <p:sldId id="284" r:id="rId17"/>
-    <p:sldId id="282" r:id="rId18"/>
-    <p:sldId id="283" r:id="rId19"/>
-    <p:sldId id="303" r:id="rId20"/>
-    <p:sldId id="307" r:id="rId21"/>
-    <p:sldId id="299" r:id="rId22"/>
+    <p:sldId id="311" r:id="rId18"/>
+    <p:sldId id="282" r:id="rId19"/>
+    <p:sldId id="283" r:id="rId20"/>
+    <p:sldId id="303" r:id="rId21"/>
+    <p:sldId id="307" r:id="rId22"/>
+    <p:sldId id="299" r:id="rId23"/>
   </p:sldIdLst>
   <p:sldSz cx="9144000" cy="6858000" type="screen4x3"/>
   <p:notesSz cx="6858000" cy="9144000"/>
@@ -228,7 +229,7 @@
           <a:p>
             <a:fld id="{086ADF04-8B8C-4B1A-8906-EE89AE299368}" type="datetimeFigureOut">
               <a:rPr lang="en-US" smtClean="0"/>
-              <a:t>1/3/2019</a:t>
+              <a:t>1/4/2019</a:t>
             </a:fld>
             <a:endParaRPr lang="en-US"/>
           </a:p>
@@ -561,7 +562,7 @@
           <a:p>
             <a:fld id="{BFABC31A-F29C-4081-885A-195C6FD25C35}" type="slidenum">
               <a:rPr lang="en-US" smtClean="0"/>
-              <a:t>3</a:t>
+              <a:t>4</a:t>
             </a:fld>
             <a:endParaRPr lang="en-US"/>
           </a:p>
@@ -646,7 +647,7 @@
             <a:fld id="{C21ED672-0A23-4509-818D-9CE7092F419E}" type="slidenum">
               <a:rPr lang="pt-BR" smtClean="0"/>
               <a:pPr/>
-              <a:t>9</a:t>
+              <a:t>10</a:t>
             </a:fld>
             <a:endParaRPr lang="pt-BR"/>
           </a:p>
@@ -731,7 +732,7 @@
             <a:fld id="{C21ED672-0A23-4509-818D-9CE7092F419E}" type="slidenum">
               <a:rPr lang="pt-BR" smtClean="0"/>
               <a:pPr/>
-              <a:t>14</a:t>
+              <a:t>15</a:t>
             </a:fld>
             <a:endParaRPr lang="pt-BR"/>
           </a:p>
@@ -816,7 +817,7 @@
             <a:fld id="{C21ED672-0A23-4509-818D-9CE7092F419E}" type="slidenum">
               <a:rPr lang="pt-BR" smtClean="0"/>
               <a:pPr/>
-              <a:t>15</a:t>
+              <a:t>16</a:t>
             </a:fld>
             <a:endParaRPr lang="pt-BR"/>
           </a:p>
@@ -901,7 +902,7 @@
             <a:fld id="{C21ED672-0A23-4509-818D-9CE7092F419E}" type="slidenum">
               <a:rPr lang="pt-BR" smtClean="0"/>
               <a:pPr/>
-              <a:t>16</a:t>
+              <a:t>18</a:t>
             </a:fld>
             <a:endParaRPr lang="pt-BR"/>
           </a:p>
@@ -986,92 +987,7 @@
             <a:fld id="{C21ED672-0A23-4509-818D-9CE7092F419E}" type="slidenum">
               <a:rPr lang="pt-BR" smtClean="0"/>
               <a:pPr/>
-              <a:t>17</a:t>
-            </a:fld>
-            <a:endParaRPr lang="pt-BR"/>
-          </a:p>
-        </p:txBody>
-      </p:sp>
-    </p:spTree>
-    <p:extLst>
-      <p:ext uri="{BB962C8B-B14F-4D97-AF65-F5344CB8AC3E}">
-        <p14:creationId xmlns:p14="http://schemas.microsoft.com/office/powerpoint/2010/main" val="2379962305"/>
-      </p:ext>
-    </p:extLst>
-  </p:cSld>
-  <p:clrMapOvr>
-    <a:masterClrMapping/>
-  </p:clrMapOvr>
-</p:notes>
-</file>
-
-<file path=ppt/notesSlides/notesSlide7.xml><?xml version="1.0" encoding="utf-8"?>
-<p:notes xmlns:a="http://schemas.openxmlformats.org/drawingml/2006/main" xmlns:r="http://schemas.openxmlformats.org/officeDocument/2006/relationships" xmlns:p="http://schemas.openxmlformats.org/presentationml/2006/main">
-  <p:cSld>
-    <p:spTree>
-      <p:nvGrpSpPr>
-        <p:cNvPr id="1" name=""/>
-        <p:cNvGrpSpPr/>
-        <p:nvPr/>
-      </p:nvGrpSpPr>
-      <p:grpSpPr>
-        <a:xfrm>
-          <a:off x="0" y="0"/>
-          <a:ext cx="0" cy="0"/>
-          <a:chOff x="0" y="0"/>
-          <a:chExt cx="0" cy="0"/>
-        </a:xfrm>
-      </p:grpSpPr>
-      <p:sp>
-        <p:nvSpPr>
-          <p:cNvPr id="2" name="Espaço Reservado para Imagem de Slide 1"/>
-          <p:cNvSpPr>
-            <a:spLocks noGrp="1" noRot="1" noChangeAspect="1"/>
-          </p:cNvSpPr>
-          <p:nvPr>
-            <p:ph type="sldImg"/>
-          </p:nvPr>
-        </p:nvSpPr>
-        <p:spPr/>
-      </p:sp>
-      <p:sp>
-        <p:nvSpPr>
-          <p:cNvPr id="3" name="Espaço Reservado para Anotações 2"/>
-          <p:cNvSpPr>
-            <a:spLocks noGrp="1"/>
-          </p:cNvSpPr>
-          <p:nvPr>
-            <p:ph type="body" idx="1"/>
-          </p:nvPr>
-        </p:nvSpPr>
-        <p:spPr/>
-        <p:txBody>
-          <a:bodyPr/>
-          <a:lstStyle/>
-          <a:p>
-            <a:endParaRPr lang="pt-BR" dirty="0"/>
-          </a:p>
-        </p:txBody>
-      </p:sp>
-      <p:sp>
-        <p:nvSpPr>
-          <p:cNvPr id="4" name="Espaço Reservado para Número de Slide 3"/>
-          <p:cNvSpPr>
-            <a:spLocks noGrp="1"/>
-          </p:cNvSpPr>
-          <p:nvPr>
-            <p:ph type="sldNum" sz="quarter" idx="10"/>
-          </p:nvPr>
-        </p:nvSpPr>
-        <p:spPr/>
-        <p:txBody>
-          <a:bodyPr/>
-          <a:lstStyle/>
-          <a:p>
-            <a:fld id="{C21ED672-0A23-4509-818D-9CE7092F419E}" type="slidenum">
-              <a:rPr lang="pt-BR" smtClean="0"/>
-              <a:pPr/>
-              <a:t>18</a:t>
+              <a:t>19</a:t>
             </a:fld>
             <a:endParaRPr lang="pt-BR"/>
           </a:p>
@@ -1282,7 +1198,7 @@
           <a:p>
             <a:fld id="{60B9C777-5F09-46E1-8868-4B013600B6B5}" type="datetimeFigureOut">
               <a:rPr lang="en-US" smtClean="0"/>
-              <a:t>1/3/2019</a:t>
+              <a:t>1/4/2019</a:t>
             </a:fld>
             <a:endParaRPr lang="en-US"/>
           </a:p>
@@ -1447,7 +1363,7 @@
           <a:p>
             <a:fld id="{60B9C777-5F09-46E1-8868-4B013600B6B5}" type="datetimeFigureOut">
               <a:rPr lang="en-US" smtClean="0"/>
-              <a:t>1/3/2019</a:t>
+              <a:t>1/4/2019</a:t>
             </a:fld>
             <a:endParaRPr lang="en-US"/>
           </a:p>
@@ -1622,7 +1538,7 @@
           <a:p>
             <a:fld id="{60B9C777-5F09-46E1-8868-4B013600B6B5}" type="datetimeFigureOut">
               <a:rPr lang="en-US" smtClean="0"/>
-              <a:t>1/3/2019</a:t>
+              <a:t>1/4/2019</a:t>
             </a:fld>
             <a:endParaRPr lang="en-US"/>
           </a:p>
@@ -1805,7 +1721,7 @@
           <a:p>
             <a:fld id="{60B9C777-5F09-46E1-8868-4B013600B6B5}" type="datetimeFigureOut">
               <a:rPr lang="en-US" smtClean="0"/>
-              <a:t>1/3/2019</a:t>
+              <a:t>1/4/2019</a:t>
             </a:fld>
             <a:endParaRPr lang="en-US"/>
           </a:p>
@@ -2067,7 +1983,7 @@
           <a:p>
             <a:fld id="{60B9C777-5F09-46E1-8868-4B013600B6B5}" type="datetimeFigureOut">
               <a:rPr lang="en-US" smtClean="0"/>
-              <a:t>1/3/2019</a:t>
+              <a:t>1/4/2019</a:t>
             </a:fld>
             <a:endParaRPr lang="en-US"/>
           </a:p>
@@ -2415,7 +2331,7 @@
           <a:p>
             <a:fld id="{60B9C777-5F09-46E1-8868-4B013600B6B5}" type="datetimeFigureOut">
               <a:rPr lang="en-US" smtClean="0"/>
-              <a:t>1/3/2019</a:t>
+              <a:t>1/4/2019</a:t>
             </a:fld>
             <a:endParaRPr lang="en-US"/>
           </a:p>
@@ -2723,7 +2639,7 @@
           <a:p>
             <a:fld id="{60B9C777-5F09-46E1-8868-4B013600B6B5}" type="datetimeFigureOut">
               <a:rPr lang="en-US" smtClean="0"/>
-              <a:t>1/3/2019</a:t>
+              <a:t>1/4/2019</a:t>
             </a:fld>
             <a:endParaRPr lang="en-US"/>
           </a:p>
@@ -2950,7 +2866,7 @@
           <a:p>
             <a:fld id="{60B9C777-5F09-46E1-8868-4B013600B6B5}" type="datetimeFigureOut">
               <a:rPr lang="en-US" smtClean="0"/>
-              <a:t>1/3/2019</a:t>
+              <a:t>1/4/2019</a:t>
             </a:fld>
             <a:endParaRPr lang="en-US"/>
           </a:p>
@@ -3040,7 +2956,7 @@
           <a:p>
             <a:fld id="{60B9C777-5F09-46E1-8868-4B013600B6B5}" type="datetimeFigureOut">
               <a:rPr lang="en-US" smtClean="0"/>
-              <a:t>1/3/2019</a:t>
+              <a:t>1/4/2019</a:t>
             </a:fld>
             <a:endParaRPr lang="en-US"/>
           </a:p>
@@ -3328,7 +3244,7 @@
           <a:p>
             <a:fld id="{60B9C777-5F09-46E1-8868-4B013600B6B5}" type="datetimeFigureOut">
               <a:rPr lang="en-US" smtClean="0"/>
-              <a:t>1/3/2019</a:t>
+              <a:t>1/4/2019</a:t>
             </a:fld>
             <a:endParaRPr lang="en-US"/>
           </a:p>
@@ -3597,7 +3513,7 @@
           <a:p>
             <a:fld id="{60B9C777-5F09-46E1-8868-4B013600B6B5}" type="datetimeFigureOut">
               <a:rPr lang="en-US" smtClean="0"/>
-              <a:t>1/3/2019</a:t>
+              <a:t>1/4/2019</a:t>
             </a:fld>
             <a:endParaRPr lang="en-US"/>
           </a:p>
@@ -3807,7 +3723,7 @@
           <a:p>
             <a:fld id="{60B9C777-5F09-46E1-8868-4B013600B6B5}" type="datetimeFigureOut">
               <a:rPr lang="en-US" smtClean="0"/>
-              <a:t>1/3/2019</a:t>
+              <a:t>1/4/2019</a:t>
             </a:fld>
             <a:endParaRPr lang="en-US"/>
           </a:p>
@@ -4440,14 +4356,19 @@
             <p:ph type="title"/>
           </p:nvPr>
         </p:nvSpPr>
-        <p:spPr/>
+        <p:spPr>
+          <a:xfrm>
+            <a:off x="457200" y="714356"/>
+            <a:ext cx="8229600" cy="1066800"/>
+          </a:xfrm>
+        </p:spPr>
         <p:txBody>
           <a:bodyPr/>
           <a:lstStyle/>
           <a:p>
             <a:r>
               <a:rPr lang="pt-BR" dirty="0" smtClean="0"/>
-              <a:t>Estrutura de dados</a:t>
+              <a:t>HELP</a:t>
             </a:r>
             <a:endParaRPr lang="pt-BR" dirty="0"/>
           </a:p>
@@ -4455,33 +4376,449 @@
       </p:sp>
       <p:sp>
         <p:nvSpPr>
-          <p:cNvPr id="3" name="Espaço Reservado para Texto 2"/>
+          <p:cNvPr id="3" name="Espaço Reservado para Conteúdo 2"/>
           <p:cNvSpPr>
             <a:spLocks noGrp="1"/>
           </p:cNvSpPr>
           <p:nvPr>
-            <p:ph type="body" idx="1"/>
+            <p:ph idx="1"/>
           </p:nvPr>
         </p:nvSpPr>
         <p:spPr/>
         <p:txBody>
-          <a:bodyPr/>
+          <a:bodyPr>
+            <a:normAutofit/>
+          </a:bodyPr>
           <a:lstStyle/>
           <a:p>
-            <a:endParaRPr lang="pt-BR"/>
+            <a:pPr marL="457200" lvl="1" indent="0">
+              <a:buNone/>
+            </a:pPr>
+            <a:endParaRPr lang="pt-BR" dirty="0" smtClean="0"/>
+          </a:p>
+          <a:p>
+            <a:pPr marL="457200" lvl="1" indent="0">
+              <a:buNone/>
+            </a:pPr>
+            <a:endParaRPr lang="pt-BR" dirty="0"/>
+          </a:p>
+          <a:p>
+            <a:pPr marL="457200" lvl="1" indent="0">
+              <a:buNone/>
+            </a:pPr>
+            <a:endParaRPr lang="pt-BR" dirty="0" smtClean="0"/>
+          </a:p>
+          <a:p>
+            <a:pPr marL="457200" lvl="1" indent="0">
+              <a:buNone/>
+            </a:pPr>
+            <a:endParaRPr lang="pt-BR" dirty="0">
+              <a:solidFill>
+                <a:schemeClr val="accent3">
+                  <a:lumMod val="50000"/>
+                </a:schemeClr>
+              </a:solidFill>
+            </a:endParaRPr>
+          </a:p>
+        </p:txBody>
+      </p:sp>
+      <p:sp>
+        <p:nvSpPr>
+          <p:cNvPr id="14" name="Espaço Reservado para Conteúdo 2"/>
+          <p:cNvSpPr txBox="1">
+            <a:spLocks/>
+          </p:cNvSpPr>
+          <p:nvPr/>
+        </p:nvSpPr>
+        <p:spPr>
+          <a:xfrm>
+            <a:off x="609600" y="1752600"/>
+            <a:ext cx="8229600" cy="4525963"/>
+          </a:xfrm>
+          <a:prstGeom prst="rect">
+            <a:avLst/>
+          </a:prstGeom>
+        </p:spPr>
+        <p:txBody>
+          <a:bodyPr vert="horz" lIns="91440" tIns="45720" rIns="91440" bIns="45720" rtlCol="0">
+            <a:normAutofit fontScale="77500" lnSpcReduction="20000"/>
+          </a:bodyPr>
+          <a:lstStyle>
+            <a:lvl1pPr marL="342900" indent="-342900" algn="l" defTabSz="914400" rtl="0" eaLnBrk="1" latinLnBrk="0" hangingPunct="1">
+              <a:spcBef>
+                <a:spcPct val="20000"/>
+              </a:spcBef>
+              <a:buFont typeface="Arial" pitchFamily="34" charset="0"/>
+              <a:buChar char="•"/>
+              <a:defRPr sz="3200" kern="1200">
+                <a:solidFill>
+                  <a:schemeClr val="tx1"/>
+                </a:solidFill>
+                <a:latin typeface="+mn-lt"/>
+                <a:ea typeface="+mn-ea"/>
+                <a:cs typeface="+mn-cs"/>
+              </a:defRPr>
+            </a:lvl1pPr>
+            <a:lvl2pPr marL="742950" indent="-285750" algn="l" defTabSz="914400" rtl="0" eaLnBrk="1" latinLnBrk="0" hangingPunct="1">
+              <a:spcBef>
+                <a:spcPct val="20000"/>
+              </a:spcBef>
+              <a:buFont typeface="Arial" pitchFamily="34" charset="0"/>
+              <a:buChar char="–"/>
+              <a:defRPr sz="2800" kern="1200">
+                <a:solidFill>
+                  <a:schemeClr val="tx1"/>
+                </a:solidFill>
+                <a:latin typeface="+mn-lt"/>
+                <a:ea typeface="+mn-ea"/>
+                <a:cs typeface="+mn-cs"/>
+              </a:defRPr>
+            </a:lvl2pPr>
+            <a:lvl3pPr marL="1143000" indent="-228600" algn="l" defTabSz="914400" rtl="0" eaLnBrk="1" latinLnBrk="0" hangingPunct="1">
+              <a:spcBef>
+                <a:spcPct val="20000"/>
+              </a:spcBef>
+              <a:buFont typeface="Arial" pitchFamily="34" charset="0"/>
+              <a:buChar char="•"/>
+              <a:defRPr sz="2400" kern="1200">
+                <a:solidFill>
+                  <a:schemeClr val="tx1"/>
+                </a:solidFill>
+                <a:latin typeface="+mn-lt"/>
+                <a:ea typeface="+mn-ea"/>
+                <a:cs typeface="+mn-cs"/>
+              </a:defRPr>
+            </a:lvl3pPr>
+            <a:lvl4pPr marL="1600200" indent="-228600" algn="l" defTabSz="914400" rtl="0" eaLnBrk="1" latinLnBrk="0" hangingPunct="1">
+              <a:spcBef>
+                <a:spcPct val="20000"/>
+              </a:spcBef>
+              <a:buFont typeface="Arial" pitchFamily="34" charset="0"/>
+              <a:buChar char="–"/>
+              <a:defRPr sz="2000" kern="1200">
+                <a:solidFill>
+                  <a:schemeClr val="tx1"/>
+                </a:solidFill>
+                <a:latin typeface="+mn-lt"/>
+                <a:ea typeface="+mn-ea"/>
+                <a:cs typeface="+mn-cs"/>
+              </a:defRPr>
+            </a:lvl4pPr>
+            <a:lvl5pPr marL="2057400" indent="-228600" algn="l" defTabSz="914400" rtl="0" eaLnBrk="1" latinLnBrk="0" hangingPunct="1">
+              <a:spcBef>
+                <a:spcPct val="20000"/>
+              </a:spcBef>
+              <a:buFont typeface="Arial" pitchFamily="34" charset="0"/>
+              <a:buChar char="»"/>
+              <a:defRPr sz="2000" kern="1200">
+                <a:solidFill>
+                  <a:schemeClr val="tx1"/>
+                </a:solidFill>
+                <a:latin typeface="+mn-lt"/>
+                <a:ea typeface="+mn-ea"/>
+                <a:cs typeface="+mn-cs"/>
+              </a:defRPr>
+            </a:lvl5pPr>
+            <a:lvl6pPr marL="2514600" indent="-228600" algn="l" defTabSz="914400" rtl="0" eaLnBrk="1" latinLnBrk="0" hangingPunct="1">
+              <a:spcBef>
+                <a:spcPct val="20000"/>
+              </a:spcBef>
+              <a:buFont typeface="Arial" pitchFamily="34" charset="0"/>
+              <a:buChar char="•"/>
+              <a:defRPr sz="2000" kern="1200">
+                <a:solidFill>
+                  <a:schemeClr val="tx1"/>
+                </a:solidFill>
+                <a:latin typeface="+mn-lt"/>
+                <a:ea typeface="+mn-ea"/>
+                <a:cs typeface="+mn-cs"/>
+              </a:defRPr>
+            </a:lvl6pPr>
+            <a:lvl7pPr marL="2971800" indent="-228600" algn="l" defTabSz="914400" rtl="0" eaLnBrk="1" latinLnBrk="0" hangingPunct="1">
+              <a:spcBef>
+                <a:spcPct val="20000"/>
+              </a:spcBef>
+              <a:buFont typeface="Arial" pitchFamily="34" charset="0"/>
+              <a:buChar char="•"/>
+              <a:defRPr sz="2000" kern="1200">
+                <a:solidFill>
+                  <a:schemeClr val="tx1"/>
+                </a:solidFill>
+                <a:latin typeface="+mn-lt"/>
+                <a:ea typeface="+mn-ea"/>
+                <a:cs typeface="+mn-cs"/>
+              </a:defRPr>
+            </a:lvl7pPr>
+            <a:lvl8pPr marL="3429000" indent="-228600" algn="l" defTabSz="914400" rtl="0" eaLnBrk="1" latinLnBrk="0" hangingPunct="1">
+              <a:spcBef>
+                <a:spcPct val="20000"/>
+              </a:spcBef>
+              <a:buFont typeface="Arial" pitchFamily="34" charset="0"/>
+              <a:buChar char="•"/>
+              <a:defRPr sz="2000" kern="1200">
+                <a:solidFill>
+                  <a:schemeClr val="tx1"/>
+                </a:solidFill>
+                <a:latin typeface="+mn-lt"/>
+                <a:ea typeface="+mn-ea"/>
+                <a:cs typeface="+mn-cs"/>
+              </a:defRPr>
+            </a:lvl8pPr>
+            <a:lvl9pPr marL="3886200" indent="-228600" algn="l" defTabSz="914400" rtl="0" eaLnBrk="1" latinLnBrk="0" hangingPunct="1">
+              <a:spcBef>
+                <a:spcPct val="20000"/>
+              </a:spcBef>
+              <a:buFont typeface="Arial" pitchFamily="34" charset="0"/>
+              <a:buChar char="•"/>
+              <a:defRPr sz="2000" kern="1200">
+                <a:solidFill>
+                  <a:schemeClr val="tx1"/>
+                </a:solidFill>
+                <a:latin typeface="+mn-lt"/>
+                <a:ea typeface="+mn-ea"/>
+                <a:cs typeface="+mn-cs"/>
+              </a:defRPr>
+            </a:lvl9pPr>
+          </a:lstStyle>
+          <a:p>
+            <a:r>
+              <a:rPr lang="pt-BR" dirty="0" smtClean="0"/>
+              <a:t>Pedindo ajuda:</a:t>
+            </a:r>
+          </a:p>
+          <a:p>
+            <a:pPr marL="457200" lvl="1" indent="0">
+              <a:buNone/>
+            </a:pPr>
+            <a:r>
+              <a:rPr lang="pt-BR" dirty="0" smtClean="0"/>
+              <a:t>?</a:t>
+            </a:r>
+            <a:r>
+              <a:rPr lang="pt-BR" dirty="0" err="1" smtClean="0"/>
+              <a:t>sample</a:t>
+            </a:r>
+            <a:endParaRPr lang="pt-BR" dirty="0" smtClean="0"/>
+          </a:p>
+          <a:p>
+            <a:pPr marL="457200" lvl="1" indent="0">
+              <a:buNone/>
+            </a:pPr>
+            <a:r>
+              <a:rPr lang="pt-BR" dirty="0" smtClean="0"/>
+              <a:t>??</a:t>
+            </a:r>
+            <a:r>
+              <a:rPr lang="pt-BR" dirty="0" err="1" smtClean="0"/>
+              <a:t>sample</a:t>
+            </a:r>
+            <a:endParaRPr lang="pt-BR" dirty="0" smtClean="0"/>
+          </a:p>
+          <a:p>
+            <a:pPr marL="457200" lvl="1" indent="0">
+              <a:buNone/>
+            </a:pPr>
+            <a:r>
+              <a:rPr lang="pt-BR" dirty="0" err="1" smtClean="0"/>
+              <a:t>help.search</a:t>
+            </a:r>
+            <a:r>
+              <a:rPr lang="pt-BR" dirty="0" smtClean="0"/>
+              <a:t>(</a:t>
+            </a:r>
+            <a:r>
+              <a:rPr lang="pt-BR" dirty="0" err="1" smtClean="0"/>
+              <a:t>sample</a:t>
+            </a:r>
+            <a:r>
+              <a:rPr lang="pt-BR" dirty="0" smtClean="0"/>
+              <a:t>)</a:t>
+            </a:r>
+          </a:p>
+          <a:p>
+            <a:pPr marL="457200" lvl="1" indent="0">
+              <a:buNone/>
+            </a:pPr>
+            <a:r>
+              <a:rPr lang="pt-BR" dirty="0" smtClean="0"/>
+              <a:t>help(</a:t>
+            </a:r>
+            <a:r>
+              <a:rPr lang="pt-BR" dirty="0" err="1" smtClean="0"/>
+              <a:t>sample</a:t>
+            </a:r>
+            <a:r>
+              <a:rPr lang="pt-BR" dirty="0" smtClean="0"/>
+              <a:t>)</a:t>
+            </a:r>
+          </a:p>
+          <a:p>
+            <a:pPr marL="457200" lvl="1" indent="0">
+              <a:buNone/>
+            </a:pPr>
+            <a:r>
+              <a:rPr lang="pt-BR" dirty="0" err="1" smtClean="0"/>
+              <a:t>Install.packages</a:t>
+            </a:r>
+            <a:r>
+              <a:rPr lang="pt-BR" dirty="0" smtClean="0"/>
+              <a:t>(“</a:t>
+            </a:r>
+            <a:r>
+              <a:rPr lang="pt-BR" dirty="0" err="1" smtClean="0"/>
+              <a:t>sos</a:t>
+            </a:r>
+            <a:r>
+              <a:rPr lang="pt-BR" dirty="0" smtClean="0"/>
+              <a:t>”)</a:t>
+            </a:r>
+          </a:p>
+          <a:p>
+            <a:pPr marL="457200" lvl="1" indent="0">
+              <a:buNone/>
+            </a:pPr>
+            <a:r>
+              <a:rPr lang="pt-BR" dirty="0" err="1"/>
+              <a:t>library</a:t>
+            </a:r>
+            <a:r>
+              <a:rPr lang="pt-BR" dirty="0"/>
+              <a:t>(</a:t>
+            </a:r>
+            <a:r>
+              <a:rPr lang="pt-BR" dirty="0" err="1"/>
+              <a:t>sos</a:t>
+            </a:r>
+            <a:r>
+              <a:rPr lang="pt-BR" dirty="0"/>
+              <a:t>)</a:t>
+            </a:r>
+          </a:p>
+          <a:p>
+            <a:pPr marL="457200" lvl="1" indent="0">
+              <a:buNone/>
+            </a:pPr>
+            <a:r>
+              <a:rPr lang="pt-BR" dirty="0" smtClean="0"/>
+              <a:t>???"</a:t>
+            </a:r>
+            <a:r>
+              <a:rPr lang="pt-BR" dirty="0" err="1"/>
+              <a:t>mean</a:t>
+            </a:r>
+            <a:r>
+              <a:rPr lang="pt-BR" dirty="0"/>
+              <a:t> </a:t>
+            </a:r>
+            <a:r>
+              <a:rPr lang="pt-BR" dirty="0" err="1"/>
+              <a:t>adjust</a:t>
+            </a:r>
+            <a:r>
+              <a:rPr lang="pt-BR" dirty="0"/>
+              <a:t>"</a:t>
+            </a:r>
+          </a:p>
+          <a:p>
+            <a:pPr marL="457200" lvl="1" indent="0">
+              <a:buNone/>
+            </a:pPr>
+            <a:r>
+              <a:rPr lang="pt-BR" dirty="0" err="1" smtClean="0"/>
+              <a:t>remove.packages</a:t>
+            </a:r>
+            <a:r>
+              <a:rPr lang="pt-BR" dirty="0"/>
+              <a:t>("</a:t>
+            </a:r>
+            <a:r>
+              <a:rPr lang="pt-BR" dirty="0" err="1" smtClean="0"/>
+              <a:t>robust</a:t>
+            </a:r>
+            <a:r>
+              <a:rPr lang="pt-BR" dirty="0" smtClean="0"/>
+              <a:t>")</a:t>
+            </a:r>
+            <a:endParaRPr lang="pt-BR" dirty="0"/>
+          </a:p>
+          <a:p>
+            <a:pPr marL="457200" lvl="1" indent="0">
+              <a:buNone/>
+            </a:pPr>
+            <a:endParaRPr lang="pt-BR" dirty="0" smtClean="0"/>
+          </a:p>
+          <a:p>
+            <a:pPr marL="514350" indent="-457200"/>
+            <a:r>
+              <a:rPr lang="pt-BR" dirty="0" smtClean="0"/>
+              <a:t>Outras funções:</a:t>
+            </a:r>
+          </a:p>
+          <a:p>
+            <a:pPr marL="57150" indent="0">
+              <a:buNone/>
+            </a:pPr>
+            <a:r>
+              <a:rPr lang="pt-BR" dirty="0" smtClean="0"/>
+              <a:t>	</a:t>
+            </a:r>
+            <a:r>
+              <a:rPr lang="pt-BR" dirty="0" err="1" smtClean="0"/>
+              <a:t>seq</a:t>
+            </a:r>
+            <a:r>
+              <a:rPr lang="pt-BR" dirty="0" smtClean="0"/>
+              <a:t>(), </a:t>
+            </a:r>
+            <a:r>
+              <a:rPr lang="pt-BR" dirty="0" err="1" smtClean="0"/>
+              <a:t>mean</a:t>
+            </a:r>
+            <a:r>
+              <a:rPr lang="pt-BR" dirty="0" smtClean="0"/>
+              <a:t>(), sum(), </a:t>
+            </a:r>
+            <a:r>
+              <a:rPr lang="pt-BR" dirty="0" err="1" smtClean="0"/>
+              <a:t>sd</a:t>
+            </a:r>
+            <a:r>
+              <a:rPr lang="pt-BR" dirty="0" smtClean="0"/>
+              <a:t>(),rep(), paste()</a:t>
+            </a:r>
+          </a:p>
+          <a:p>
+            <a:pPr marL="457200" lvl="1" indent="0">
+              <a:buFont typeface="Arial" pitchFamily="34" charset="0"/>
+              <a:buNone/>
+            </a:pPr>
+            <a:endParaRPr lang="pt-BR" dirty="0">
+              <a:solidFill>
+                <a:schemeClr val="accent3">
+                  <a:lumMod val="50000"/>
+                </a:schemeClr>
+              </a:solidFill>
+            </a:endParaRPr>
           </a:p>
         </p:txBody>
       </p:sp>
     </p:spTree>
     <p:extLst>
       <p:ext uri="{BB962C8B-B14F-4D97-AF65-F5344CB8AC3E}">
-        <p14:creationId xmlns:p14="http://schemas.microsoft.com/office/powerpoint/2010/main" val="2672831113"/>
+        <p14:creationId xmlns:p14="http://schemas.microsoft.com/office/powerpoint/2010/main" val="1932318607"/>
       </p:ext>
     </p:extLst>
   </p:cSld>
   <p:clrMapOvr>
     <a:masterClrMapping/>
   </p:clrMapOvr>
+  <p:timing>
+    <p:tnLst>
+      <p:par>
+        <p:cTn id="1" dur="indefinite" restart="never" nodeType="tmRoot"/>
+      </p:par>
+    </p:tnLst>
+  </p:timing>
 </p:sld>
 </file>
 
@@ -4517,6 +4854,78 @@
           <a:bodyPr/>
           <a:lstStyle/>
           <a:p>
+            <a:r>
+              <a:rPr lang="pt-BR" dirty="0" smtClean="0"/>
+              <a:t>Estrutura de dados</a:t>
+            </a:r>
+            <a:endParaRPr lang="pt-BR" dirty="0"/>
+          </a:p>
+        </p:txBody>
+      </p:sp>
+      <p:sp>
+        <p:nvSpPr>
+          <p:cNvPr id="3" name="Espaço Reservado para Texto 2"/>
+          <p:cNvSpPr>
+            <a:spLocks noGrp="1"/>
+          </p:cNvSpPr>
+          <p:nvPr>
+            <p:ph type="body" idx="1"/>
+          </p:nvPr>
+        </p:nvSpPr>
+        <p:spPr/>
+        <p:txBody>
+          <a:bodyPr/>
+          <a:lstStyle/>
+          <a:p>
+            <a:endParaRPr lang="pt-BR"/>
+          </a:p>
+        </p:txBody>
+      </p:sp>
+    </p:spTree>
+    <p:extLst>
+      <p:ext uri="{BB962C8B-B14F-4D97-AF65-F5344CB8AC3E}">
+        <p14:creationId xmlns:p14="http://schemas.microsoft.com/office/powerpoint/2010/main" val="2672831113"/>
+      </p:ext>
+    </p:extLst>
+  </p:cSld>
+  <p:clrMapOvr>
+    <a:masterClrMapping/>
+  </p:clrMapOvr>
+</p:sld>
+</file>
+
+<file path=ppt/slides/slide12.xml><?xml version="1.0" encoding="utf-8"?>
+<p:sld xmlns:a="http://schemas.openxmlformats.org/drawingml/2006/main" xmlns:r="http://schemas.openxmlformats.org/officeDocument/2006/relationships" xmlns:p="http://schemas.openxmlformats.org/presentationml/2006/main">
+  <p:cSld>
+    <p:spTree>
+      <p:nvGrpSpPr>
+        <p:cNvPr id="1" name=""/>
+        <p:cNvGrpSpPr/>
+        <p:nvPr/>
+      </p:nvGrpSpPr>
+      <p:grpSpPr>
+        <a:xfrm>
+          <a:off x="0" y="0"/>
+          <a:ext cx="0" cy="0"/>
+          <a:chOff x="0" y="0"/>
+          <a:chExt cx="0" cy="0"/>
+        </a:xfrm>
+      </p:grpSpPr>
+      <p:sp>
+        <p:nvSpPr>
+          <p:cNvPr id="2" name="Título 1"/>
+          <p:cNvSpPr>
+            <a:spLocks noGrp="1"/>
+          </p:cNvSpPr>
+          <p:nvPr>
+            <p:ph type="title"/>
+          </p:nvPr>
+        </p:nvSpPr>
+        <p:spPr/>
+        <p:txBody>
+          <a:bodyPr/>
+          <a:lstStyle/>
+          <a:p>
             <a:pPr algn="l"/>
             <a:r>
               <a:rPr lang="en-US" dirty="0" smtClean="0"/>
@@ -4546,7 +4955,7 @@
         </p:nvSpPr>
         <p:spPr>
           <a:xfrm>
-            <a:off x="-152400" y="1417638"/>
+            <a:off x="-152400" y="1951038"/>
             <a:ext cx="4040188" cy="639762"/>
           </a:xfrm>
         </p:spPr>
@@ -4574,7 +4983,7 @@
         </p:nvSpPr>
         <p:spPr>
           <a:xfrm>
-            <a:off x="3886200" y="1417638"/>
+            <a:off x="3886200" y="1951038"/>
             <a:ext cx="4041775" cy="639762"/>
           </a:xfrm>
         </p:spPr>
@@ -4601,7 +5010,7 @@
         </p:nvSpPr>
         <p:spPr>
           <a:xfrm>
-            <a:off x="457200" y="1992312"/>
+            <a:off x="457200" y="2830512"/>
             <a:ext cx="4040188" cy="3951288"/>
           </a:xfrm>
         </p:spPr>
@@ -4653,7 +5062,7 @@
         </p:nvSpPr>
         <p:spPr>
           <a:xfrm>
-            <a:off x="5026025" y="1981200"/>
+            <a:off x="5026025" y="2819400"/>
             <a:ext cx="4041775" cy="3951288"/>
           </a:xfrm>
         </p:spPr>
@@ -5473,7 +5882,7 @@
 </p:sld>
 </file>
 
-<file path=ppt/slides/slide12.xml><?xml version="1.0" encoding="utf-8"?>
+<file path=ppt/slides/slide13.xml><?xml version="1.0" encoding="utf-8"?>
 <p:sld xmlns:a="http://schemas.openxmlformats.org/drawingml/2006/main" xmlns:r="http://schemas.openxmlformats.org/officeDocument/2006/relationships" xmlns:p="http://schemas.openxmlformats.org/presentationml/2006/main">
   <p:cSld>
     <p:spTree>
@@ -5526,7 +5935,7 @@
         <p:spPr/>
         <p:txBody>
           <a:bodyPr>
-            <a:normAutofit/>
+            <a:noAutofit/>
           </a:bodyPr>
           <a:lstStyle/>
           <a:p>
@@ -5535,8 +5944,8 @@
               <a:buChar char="-"/>
             </a:pPr>
             <a:r>
-              <a:rPr lang="pt-BR" dirty="0" smtClean="0"/>
-              <a:t>Objeto unidimensional capaz de estocar diferentes tipos de dados e variáveis;</a:t>
+              <a:rPr lang="pt-BR" sz="2200" dirty="0" smtClean="0"/>
+              <a:t>Objeto unidimensional capaz de estocar diferentes tipos de dados;</a:t>
             </a:r>
           </a:p>
           <a:p>
@@ -5545,19 +5954,19 @@
               <a:buChar char="-"/>
             </a:pPr>
             <a:r>
-              <a:rPr lang="pt-BR" dirty="0" smtClean="0"/>
+              <a:rPr lang="pt-BR" sz="2200" dirty="0" smtClean="0"/>
               <a:t>Criação de um vetor:  a </a:t>
             </a:r>
             <a:r>
-              <a:rPr lang="pt-BR" dirty="0"/>
+              <a:rPr lang="pt-BR" sz="2200" dirty="0"/>
               <a:t>&lt;- c(1,2,5.3,6,-2,4)</a:t>
             </a:r>
-            <a:endParaRPr lang="pt-BR" dirty="0" smtClean="0"/>
+            <a:endParaRPr lang="pt-BR" sz="2200" dirty="0" smtClean="0"/>
           </a:p>
           <a:p>
             <a:pPr lvl="2"/>
             <a:r>
-              <a:rPr lang="pt-BR" dirty="0" err="1">
+              <a:rPr lang="pt-BR" sz="2200" dirty="0" err="1">
                 <a:solidFill>
                   <a:schemeClr val="tx2">
                     <a:lumMod val="60000"/>
@@ -5568,7 +5977,7 @@
               <a:t>numeric</a:t>
             </a:r>
             <a:r>
-              <a:rPr lang="pt-BR" dirty="0">
+              <a:rPr lang="pt-BR" sz="2200" dirty="0">
                 <a:solidFill>
                   <a:schemeClr val="tx2">
                     <a:lumMod val="60000"/>
@@ -5579,7 +5988,7 @@
               <a:t> </a:t>
             </a:r>
             <a:r>
-              <a:rPr lang="pt-BR" dirty="0" smtClean="0">
+              <a:rPr lang="pt-BR" sz="2200" dirty="0" smtClean="0">
                 <a:solidFill>
                   <a:schemeClr val="tx2">
                     <a:lumMod val="60000"/>
@@ -5593,7 +6002,7 @@
           <a:p>
             <a:pPr lvl="2"/>
             <a:r>
-              <a:rPr lang="pt-BR" dirty="0" err="1">
+              <a:rPr lang="pt-BR" sz="2200" dirty="0" err="1">
                 <a:solidFill>
                   <a:schemeClr val="tx2">
                     <a:lumMod val="60000"/>
@@ -5604,7 +6013,7 @@
               <a:t>character</a:t>
             </a:r>
             <a:r>
-              <a:rPr lang="pt-BR" dirty="0">
+              <a:rPr lang="pt-BR" sz="2200" dirty="0">
                 <a:solidFill>
                   <a:schemeClr val="tx2">
                     <a:lumMod val="60000"/>
@@ -5615,7 +6024,7 @@
               <a:t> </a:t>
             </a:r>
             <a:r>
-              <a:rPr lang="pt-BR" dirty="0" smtClean="0">
+              <a:rPr lang="pt-BR" sz="2200" dirty="0" smtClean="0">
                 <a:solidFill>
                   <a:schemeClr val="tx2">
                     <a:lumMod val="60000"/>
@@ -5629,7 +6038,7 @@
           <a:p>
             <a:pPr lvl="2"/>
             <a:r>
-              <a:rPr lang="pt-BR" dirty="0" err="1">
+              <a:rPr lang="pt-BR" sz="2200" dirty="0" err="1">
                 <a:solidFill>
                   <a:schemeClr val="tx2">
                     <a:lumMod val="60000"/>
@@ -5640,7 +6049,7 @@
               <a:t>logical</a:t>
             </a:r>
             <a:r>
-              <a:rPr lang="pt-BR" dirty="0">
+              <a:rPr lang="pt-BR" sz="2200" dirty="0">
                 <a:solidFill>
                   <a:schemeClr val="tx2">
                     <a:lumMod val="60000"/>
@@ -5650,7 +6059,7 @@
               </a:rPr>
               <a:t> vector</a:t>
             </a:r>
-            <a:endParaRPr lang="pt-BR" dirty="0" smtClean="0">
+            <a:endParaRPr lang="pt-BR" sz="2200" dirty="0" smtClean="0">
               <a:solidFill>
                 <a:schemeClr val="tx2">
                   <a:lumMod val="60000"/>
@@ -5662,52 +6071,52 @@
           <a:p>
             <a:pPr lvl="1"/>
             <a:r>
-              <a:rPr lang="pt-BR" dirty="0"/>
+              <a:rPr lang="pt-BR" sz="2200" dirty="0"/>
               <a:t>Tamanho: </a:t>
             </a:r>
             <a:r>
-              <a:rPr lang="pt-BR" dirty="0" err="1"/>
+              <a:rPr lang="pt-BR" sz="2200" dirty="0" err="1"/>
               <a:t>length</a:t>
             </a:r>
             <a:r>
-              <a:rPr lang="pt-BR" dirty="0"/>
+              <a:rPr lang="pt-BR" sz="2200" dirty="0"/>
               <a:t>(x)</a:t>
             </a:r>
           </a:p>
           <a:p>
             <a:pPr lvl="1"/>
             <a:r>
-              <a:rPr lang="pt-BR" dirty="0" smtClean="0"/>
+              <a:rPr lang="pt-BR" sz="2200" dirty="0" smtClean="0"/>
               <a:t>Nomes: </a:t>
             </a:r>
             <a:r>
-              <a:rPr lang="pt-BR" dirty="0" err="1"/>
+              <a:rPr lang="pt-BR" sz="2200" dirty="0" err="1"/>
               <a:t>names</a:t>
             </a:r>
             <a:r>
-              <a:rPr lang="pt-BR" dirty="0"/>
+              <a:rPr lang="pt-BR" sz="2200" dirty="0"/>
               <a:t>(x)</a:t>
             </a:r>
           </a:p>
           <a:p>
             <a:pPr lvl="1"/>
             <a:r>
-              <a:rPr lang="pt-BR" dirty="0"/>
+              <a:rPr lang="pt-BR" sz="2200" dirty="0"/>
               <a:t>Modo: </a:t>
             </a:r>
             <a:r>
-              <a:rPr lang="pt-BR" dirty="0" err="1"/>
+              <a:rPr lang="pt-BR" sz="2200" dirty="0" err="1"/>
               <a:t>mode</a:t>
             </a:r>
             <a:r>
-              <a:rPr lang="pt-BR" dirty="0"/>
+              <a:rPr lang="pt-BR" sz="2200" dirty="0"/>
               <a:t>(x)</a:t>
             </a:r>
           </a:p>
           <a:p>
             <a:pPr lvl="2"/>
             <a:r>
-              <a:rPr lang="pt-BR" dirty="0" err="1">
+              <a:rPr lang="pt-BR" sz="2200" dirty="0" err="1">
                 <a:solidFill>
                   <a:srgbClr val="C00000"/>
                 </a:solidFill>
@@ -5715,7 +6124,7 @@
               <a:t>is.logical</a:t>
             </a:r>
             <a:r>
-              <a:rPr lang="pt-BR" dirty="0">
+              <a:rPr lang="pt-BR" sz="2200" dirty="0">
                 <a:solidFill>
                   <a:srgbClr val="C00000"/>
                 </a:solidFill>
@@ -5726,7 +6135,7 @@
           <a:p>
             <a:pPr lvl="2"/>
             <a:r>
-              <a:rPr lang="pt-BR" dirty="0" err="1">
+              <a:rPr lang="pt-BR" sz="2200" dirty="0" err="1">
                 <a:solidFill>
                   <a:srgbClr val="C00000"/>
                 </a:solidFill>
@@ -5734,7 +6143,7 @@
               <a:t>is.numeric</a:t>
             </a:r>
             <a:r>
-              <a:rPr lang="pt-BR" dirty="0">
+              <a:rPr lang="pt-BR" sz="2200" dirty="0">
                 <a:solidFill>
                   <a:srgbClr val="C00000"/>
                 </a:solidFill>
@@ -5745,7 +6154,7 @@
           <a:p>
             <a:pPr lvl="2"/>
             <a:r>
-              <a:rPr lang="pt-BR" dirty="0" err="1">
+              <a:rPr lang="pt-BR" sz="2200" dirty="0" err="1">
                 <a:solidFill>
                   <a:srgbClr val="C00000"/>
                 </a:solidFill>
@@ -5753,7 +6162,7 @@
               <a:t>is.character</a:t>
             </a:r>
             <a:r>
-              <a:rPr lang="pt-BR" dirty="0">
+              <a:rPr lang="pt-BR" sz="2200" dirty="0">
                 <a:solidFill>
                   <a:srgbClr val="C00000"/>
                 </a:solidFill>
@@ -5765,10 +6174,10 @@
             <a:pPr marL="457200" lvl="1" indent="0">
               <a:buNone/>
             </a:pPr>
-            <a:endParaRPr lang="pt-BR" dirty="0" smtClean="0"/>
-          </a:p>
-          <a:p>
-            <a:endParaRPr lang="pt-BR" dirty="0"/>
+            <a:endParaRPr lang="pt-BR" sz="2200" dirty="0" smtClean="0"/>
+          </a:p>
+          <a:p>
+            <a:endParaRPr lang="pt-BR" sz="2200" dirty="0"/>
           </a:p>
         </p:txBody>
       </p:sp>
@@ -6378,7 +6787,7 @@
 </p:sld>
 </file>
 
-<file path=ppt/slides/slide13.xml><?xml version="1.0" encoding="utf-8"?>
+<file path=ppt/slides/slide14.xml><?xml version="1.0" encoding="utf-8"?>
 <p:sld xmlns:a="http://schemas.openxmlformats.org/drawingml/2006/main" xmlns:r="http://schemas.openxmlformats.org/officeDocument/2006/relationships" xmlns:p="http://schemas.openxmlformats.org/presentationml/2006/main">
   <p:cSld>
     <p:spTree>
@@ -6428,10 +6837,15 @@
             <p:ph idx="1"/>
           </p:nvPr>
         </p:nvSpPr>
-        <p:spPr/>
+        <p:spPr>
+          <a:xfrm>
+            <a:off x="457200" y="1600200"/>
+            <a:ext cx="8229600" cy="4724400"/>
+          </a:xfrm>
+        </p:spPr>
         <p:txBody>
           <a:bodyPr>
-            <a:normAutofit/>
+            <a:noAutofit/>
           </a:bodyPr>
           <a:lstStyle/>
           <a:p>
@@ -6451,7 +6865,7 @@
               <a:buNone/>
             </a:pPr>
             <a:r>
-              <a:rPr lang="pt-BR" dirty="0" err="1" smtClean="0">
+              <a:rPr lang="pt-BR" sz="2400" dirty="0" err="1" smtClean="0">
                 <a:solidFill>
                   <a:schemeClr val="accent1">
                     <a:lumMod val="50000"/>
@@ -6461,7 +6875,7 @@
               <a:t>as.character</a:t>
             </a:r>
             <a:r>
-              <a:rPr lang="pt-BR" dirty="0" smtClean="0">
+              <a:rPr lang="pt-BR" sz="2400" dirty="0" smtClean="0">
                 <a:solidFill>
                   <a:schemeClr val="accent1">
                     <a:lumMod val="50000"/>
@@ -6476,7 +6890,7 @@
               <a:buNone/>
             </a:pPr>
             <a:r>
-              <a:rPr lang="pt-BR" dirty="0" err="1" smtClean="0">
+              <a:rPr lang="pt-BR" sz="2400" dirty="0" err="1" smtClean="0">
                 <a:solidFill>
                   <a:schemeClr val="accent1">
                     <a:lumMod val="50000"/>
@@ -6486,7 +6900,7 @@
               <a:t>as.numeric</a:t>
             </a:r>
             <a:r>
-              <a:rPr lang="pt-BR" dirty="0" smtClean="0">
+              <a:rPr lang="pt-BR" sz="2400" dirty="0" smtClean="0">
                 <a:solidFill>
                   <a:schemeClr val="accent1">
                     <a:lumMod val="50000"/>
@@ -6501,7 +6915,7 @@
               <a:buNone/>
             </a:pPr>
             <a:r>
-              <a:rPr lang="pt-BR" dirty="0" err="1" smtClean="0">
+              <a:rPr lang="pt-BR" sz="2400" dirty="0" err="1" smtClean="0">
                 <a:solidFill>
                   <a:schemeClr val="accent1">
                     <a:lumMod val="50000"/>
@@ -6511,7 +6925,7 @@
               <a:t>as.logical</a:t>
             </a:r>
             <a:r>
-              <a:rPr lang="pt-BR" dirty="0" smtClean="0">
+              <a:rPr lang="pt-BR" sz="2400" dirty="0" smtClean="0">
                 <a:solidFill>
                   <a:schemeClr val="accent1">
                     <a:lumMod val="50000"/>
@@ -6533,7 +6947,7 @@
               <a:buNone/>
             </a:pPr>
             <a:r>
-              <a:rPr lang="pt-BR" dirty="0">
+              <a:rPr lang="pt-BR" sz="2400" dirty="0">
                 <a:solidFill>
                   <a:schemeClr val="accent3">
                     <a:lumMod val="50000"/>
@@ -6548,7 +6962,7 @@
               <a:buNone/>
             </a:pPr>
             <a:r>
-              <a:rPr lang="pt-BR" dirty="0">
+              <a:rPr lang="pt-BR" sz="2400" dirty="0">
                 <a:solidFill>
                   <a:schemeClr val="accent3">
                     <a:lumMod val="50000"/>
@@ -6563,7 +6977,7 @@
               <a:buNone/>
             </a:pPr>
             <a:r>
-              <a:rPr lang="pt-BR" dirty="0">
+              <a:rPr lang="pt-BR" sz="2400" dirty="0">
                 <a:solidFill>
                   <a:schemeClr val="accent3">
                     <a:lumMod val="50000"/>
@@ -6577,7 +6991,7 @@
             <a:pPr marL="457200" lvl="1" indent="0">
               <a:buNone/>
             </a:pPr>
-            <a:endParaRPr lang="pt-BR" dirty="0">
+            <a:endParaRPr lang="pt-BR" sz="2400" dirty="0">
               <a:solidFill>
                 <a:srgbClr val="C00000"/>
               </a:solidFill>
@@ -6586,7 +7000,7 @@
           <a:p>
             <a:pPr marL="0" lvl="1"/>
             <a:r>
-              <a:rPr lang="pt-BR" dirty="0" smtClean="0">
+              <a:rPr lang="pt-BR" sz="2400" dirty="0" smtClean="0">
                 <a:solidFill>
                   <a:srgbClr val="C00000"/>
                 </a:solidFill>
@@ -6594,17 +7008,41 @@
               <a:t>Tudo </a:t>
             </a:r>
             <a:r>
-              <a:rPr lang="pt-BR" dirty="0">
+              <a:rPr lang="pt-BR" sz="2400" dirty="0">
                 <a:solidFill>
                   <a:srgbClr val="C00000"/>
                 </a:solidFill>
               </a:rPr>
-              <a:t>o que pode ser indexado pode ser substituído (princípio chave para a manipulação de objetos)</a:t>
+              <a:t>o que pode ser indexado pode ser substituído </a:t>
+            </a:r>
+            <a:endParaRPr lang="pt-BR" sz="2400" dirty="0" smtClean="0">
+              <a:solidFill>
+                <a:srgbClr val="C00000"/>
+              </a:solidFill>
+            </a:endParaRPr>
+          </a:p>
+          <a:p>
+            <a:pPr marL="400050" lvl="2"/>
+            <a:r>
+              <a:rPr lang="pt-BR" sz="2400" dirty="0" smtClean="0">
+                <a:solidFill>
+                  <a:srgbClr val="C00000"/>
+                </a:solidFill>
+              </a:rPr>
+              <a:t>(</a:t>
+            </a:r>
+            <a:r>
+              <a:rPr lang="pt-BR" sz="2400" dirty="0">
+                <a:solidFill>
+                  <a:srgbClr val="C00000"/>
+                </a:solidFill>
+              </a:rPr>
+              <a:t>princípio chave para a manipulação de objetos)</a:t>
             </a:r>
           </a:p>
           <a:p>
             <a:pPr lvl="3"/>
-            <a:endParaRPr lang="pt-BR" dirty="0" smtClean="0">
+            <a:endParaRPr lang="pt-BR" sz="2400" dirty="0" smtClean="0">
               <a:solidFill>
                 <a:srgbClr val="C00000"/>
               </a:solidFill>
@@ -7071,6 +7509,67 @@
                       </p:childTnLst>
                     </p:cTn>
                   </p:par>
+                  <p:par>
+                    <p:cTn id="36" fill="hold">
+                      <p:stCondLst>
+                        <p:cond delay="indefinite"/>
+                      </p:stCondLst>
+                      <p:childTnLst>
+                        <p:par>
+                          <p:cTn id="37" fill="hold">
+                            <p:stCondLst>
+                              <p:cond delay="0"/>
+                            </p:stCondLst>
+                            <p:childTnLst>
+                              <p:par>
+                                <p:cTn id="38" presetID="10" presetClass="entr" presetSubtype="0" fill="hold" nodeType="clickEffect">
+                                  <p:stCondLst>
+                                    <p:cond delay="0"/>
+                                  </p:stCondLst>
+                                  <p:childTnLst>
+                                    <p:set>
+                                      <p:cBhvr>
+                                        <p:cTn id="39" dur="1" fill="hold">
+                                          <p:stCondLst>
+                                            <p:cond delay="0"/>
+                                          </p:stCondLst>
+                                        </p:cTn>
+                                        <p:tgtEl>
+                                          <p:spTgt spid="3">
+                                            <p:txEl>
+                                              <p:pRg st="10" end="10"/>
+                                            </p:txEl>
+                                          </p:spTgt>
+                                        </p:tgtEl>
+                                        <p:attrNameLst>
+                                          <p:attrName>style.visibility</p:attrName>
+                                        </p:attrNameLst>
+                                      </p:cBhvr>
+                                      <p:to>
+                                        <p:strVal val="visible"/>
+                                      </p:to>
+                                    </p:set>
+                                    <p:animEffect transition="in" filter="fade">
+                                      <p:cBhvr>
+                                        <p:cTn id="40" dur="500"/>
+                                        <p:tgtEl>
+                                          <p:spTgt spid="3">
+                                            <p:txEl>
+                                              <p:pRg st="10" end="10"/>
+                                            </p:txEl>
+                                          </p:spTgt>
+                                        </p:tgtEl>
+                                      </p:cBhvr>
+                                    </p:animEffect>
+                                  </p:childTnLst>
+                                </p:cTn>
+                              </p:par>
+                            </p:childTnLst>
+                          </p:cTn>
+                        </p:par>
+                      </p:childTnLst>
+                    </p:cTn>
+                  </p:par>
                 </p:childTnLst>
               </p:cTn>
               <p:prevCondLst>
@@ -7096,7 +7595,7 @@
 </p:sld>
 </file>
 
-<file path=ppt/slides/slide14.xml><?xml version="1.0" encoding="utf-8"?>
+<file path=ppt/slides/slide15.xml><?xml version="1.0" encoding="utf-8"?>
 <p:sld xmlns:a="http://schemas.openxmlformats.org/drawingml/2006/main" xmlns:r="http://schemas.openxmlformats.org/officeDocument/2006/relationships" xmlns:p="http://schemas.openxmlformats.org/presentationml/2006/main">
   <p:cSld>
     <p:spTree>
@@ -7349,8 +7848,12 @@
           </a:lstStyle>
           <a:p>
             <a:r>
+              <a:rPr lang="pt-BR" dirty="0"/>
+              <a:t>B</a:t>
+            </a:r>
+            <a:r>
               <a:rPr lang="pt-BR" dirty="0" smtClean="0"/>
-              <a:t>bidimensional (linhas x colunas)</a:t>
+              <a:t>idimensional (linhas x colunas)</a:t>
             </a:r>
           </a:p>
           <a:p>
@@ -7911,351 +8414,6 @@
 </p:sld>
 </file>
 
-<file path=ppt/slides/slide15.xml><?xml version="1.0" encoding="utf-8"?>
-<p:sld xmlns:a="http://schemas.openxmlformats.org/drawingml/2006/main" xmlns:r="http://schemas.openxmlformats.org/officeDocument/2006/relationships" xmlns:p="http://schemas.openxmlformats.org/presentationml/2006/main">
-  <p:cSld>
-    <p:spTree>
-      <p:nvGrpSpPr>
-        <p:cNvPr id="1" name=""/>
-        <p:cNvGrpSpPr/>
-        <p:nvPr/>
-      </p:nvGrpSpPr>
-      <p:grpSpPr>
-        <a:xfrm>
-          <a:off x="0" y="0"/>
-          <a:ext cx="0" cy="0"/>
-          <a:chOff x="0" y="0"/>
-          <a:chExt cx="0" cy="0"/>
-        </a:xfrm>
-      </p:grpSpPr>
-      <p:sp>
-        <p:nvSpPr>
-          <p:cNvPr id="2" name="Título 1"/>
-          <p:cNvSpPr>
-            <a:spLocks noGrp="1"/>
-          </p:cNvSpPr>
-          <p:nvPr>
-            <p:ph type="title"/>
-          </p:nvPr>
-        </p:nvSpPr>
-        <p:spPr>
-          <a:xfrm>
-            <a:off x="457200" y="576250"/>
-            <a:ext cx="8229600" cy="1066800"/>
-          </a:xfrm>
-        </p:spPr>
-        <p:txBody>
-          <a:bodyPr/>
-          <a:lstStyle/>
-          <a:p>
-            <a:r>
-              <a:rPr lang="pt-BR" dirty="0" smtClean="0"/>
-              <a:t>Matrizes</a:t>
-            </a:r>
-            <a:endParaRPr lang="pt-BR" dirty="0"/>
-          </a:p>
-        </p:txBody>
-      </p:sp>
-      <p:sp>
-        <p:nvSpPr>
-          <p:cNvPr id="3" name="Espaço Reservado para Conteúdo 2"/>
-          <p:cNvSpPr>
-            <a:spLocks noGrp="1"/>
-          </p:cNvSpPr>
-          <p:nvPr>
-            <p:ph idx="1"/>
-          </p:nvPr>
-        </p:nvSpPr>
-        <p:spPr/>
-        <p:txBody>
-          <a:bodyPr>
-            <a:normAutofit/>
-          </a:bodyPr>
-          <a:lstStyle/>
-          <a:p>
-            <a:pPr marL="457200" lvl="1" indent="0">
-              <a:buNone/>
-            </a:pPr>
-            <a:endParaRPr lang="pt-BR" dirty="0" smtClean="0"/>
-          </a:p>
-          <a:p>
-            <a:pPr marL="457200" lvl="1" indent="0">
-              <a:buNone/>
-            </a:pPr>
-            <a:endParaRPr lang="pt-BR" dirty="0" smtClean="0"/>
-          </a:p>
-          <a:p>
-            <a:pPr marL="457200" lvl="1" indent="0">
-              <a:buNone/>
-            </a:pPr>
-            <a:endParaRPr lang="pt-BR" dirty="0">
-              <a:solidFill>
-                <a:schemeClr val="accent3">
-                  <a:lumMod val="50000"/>
-                </a:schemeClr>
-              </a:solidFill>
-            </a:endParaRPr>
-          </a:p>
-        </p:txBody>
-      </p:sp>
-      <p:sp>
-        <p:nvSpPr>
-          <p:cNvPr id="14" name="Espaço Reservado para Conteúdo 2"/>
-          <p:cNvSpPr txBox="1">
-            <a:spLocks/>
-          </p:cNvSpPr>
-          <p:nvPr/>
-        </p:nvSpPr>
-        <p:spPr>
-          <a:xfrm>
-            <a:off x="609600" y="1752600"/>
-            <a:ext cx="8229600" cy="4525963"/>
-          </a:xfrm>
-          <a:prstGeom prst="rect">
-            <a:avLst/>
-          </a:prstGeom>
-        </p:spPr>
-        <p:txBody>
-          <a:bodyPr vert="horz" lIns="91440" tIns="45720" rIns="91440" bIns="45720" rtlCol="0">
-            <a:normAutofit/>
-          </a:bodyPr>
-          <a:lstStyle>
-            <a:lvl1pPr marL="342900" indent="-342900" algn="l" defTabSz="914400" rtl="0" eaLnBrk="1" latinLnBrk="0" hangingPunct="1">
-              <a:spcBef>
-                <a:spcPct val="20000"/>
-              </a:spcBef>
-              <a:buFont typeface="Arial" pitchFamily="34" charset="0"/>
-              <a:buChar char="•"/>
-              <a:defRPr sz="3200" kern="1200">
-                <a:solidFill>
-                  <a:schemeClr val="tx1"/>
-                </a:solidFill>
-                <a:latin typeface="+mn-lt"/>
-                <a:ea typeface="+mn-ea"/>
-                <a:cs typeface="+mn-cs"/>
-              </a:defRPr>
-            </a:lvl1pPr>
-            <a:lvl2pPr marL="742950" indent="-285750" algn="l" defTabSz="914400" rtl="0" eaLnBrk="1" latinLnBrk="0" hangingPunct="1">
-              <a:spcBef>
-                <a:spcPct val="20000"/>
-              </a:spcBef>
-              <a:buFont typeface="Arial" pitchFamily="34" charset="0"/>
-              <a:buChar char="–"/>
-              <a:defRPr sz="2800" kern="1200">
-                <a:solidFill>
-                  <a:schemeClr val="tx1"/>
-                </a:solidFill>
-                <a:latin typeface="+mn-lt"/>
-                <a:ea typeface="+mn-ea"/>
-                <a:cs typeface="+mn-cs"/>
-              </a:defRPr>
-            </a:lvl2pPr>
-            <a:lvl3pPr marL="1143000" indent="-228600" algn="l" defTabSz="914400" rtl="0" eaLnBrk="1" latinLnBrk="0" hangingPunct="1">
-              <a:spcBef>
-                <a:spcPct val="20000"/>
-              </a:spcBef>
-              <a:buFont typeface="Arial" pitchFamily="34" charset="0"/>
-              <a:buChar char="•"/>
-              <a:defRPr sz="2400" kern="1200">
-                <a:solidFill>
-                  <a:schemeClr val="tx1"/>
-                </a:solidFill>
-                <a:latin typeface="+mn-lt"/>
-                <a:ea typeface="+mn-ea"/>
-                <a:cs typeface="+mn-cs"/>
-              </a:defRPr>
-            </a:lvl3pPr>
-            <a:lvl4pPr marL="1600200" indent="-228600" algn="l" defTabSz="914400" rtl="0" eaLnBrk="1" latinLnBrk="0" hangingPunct="1">
-              <a:spcBef>
-                <a:spcPct val="20000"/>
-              </a:spcBef>
-              <a:buFont typeface="Arial" pitchFamily="34" charset="0"/>
-              <a:buChar char="–"/>
-              <a:defRPr sz="2000" kern="1200">
-                <a:solidFill>
-                  <a:schemeClr val="tx1"/>
-                </a:solidFill>
-                <a:latin typeface="+mn-lt"/>
-                <a:ea typeface="+mn-ea"/>
-                <a:cs typeface="+mn-cs"/>
-              </a:defRPr>
-            </a:lvl4pPr>
-            <a:lvl5pPr marL="2057400" indent="-228600" algn="l" defTabSz="914400" rtl="0" eaLnBrk="1" latinLnBrk="0" hangingPunct="1">
-              <a:spcBef>
-                <a:spcPct val="20000"/>
-              </a:spcBef>
-              <a:buFont typeface="Arial" pitchFamily="34" charset="0"/>
-              <a:buChar char="»"/>
-              <a:defRPr sz="2000" kern="1200">
-                <a:solidFill>
-                  <a:schemeClr val="tx1"/>
-                </a:solidFill>
-                <a:latin typeface="+mn-lt"/>
-                <a:ea typeface="+mn-ea"/>
-                <a:cs typeface="+mn-cs"/>
-              </a:defRPr>
-            </a:lvl5pPr>
-            <a:lvl6pPr marL="2514600" indent="-228600" algn="l" defTabSz="914400" rtl="0" eaLnBrk="1" latinLnBrk="0" hangingPunct="1">
-              <a:spcBef>
-                <a:spcPct val="20000"/>
-              </a:spcBef>
-              <a:buFont typeface="Arial" pitchFamily="34" charset="0"/>
-              <a:buChar char="•"/>
-              <a:defRPr sz="2000" kern="1200">
-                <a:solidFill>
-                  <a:schemeClr val="tx1"/>
-                </a:solidFill>
-                <a:latin typeface="+mn-lt"/>
-                <a:ea typeface="+mn-ea"/>
-                <a:cs typeface="+mn-cs"/>
-              </a:defRPr>
-            </a:lvl6pPr>
-            <a:lvl7pPr marL="2971800" indent="-228600" algn="l" defTabSz="914400" rtl="0" eaLnBrk="1" latinLnBrk="0" hangingPunct="1">
-              <a:spcBef>
-                <a:spcPct val="20000"/>
-              </a:spcBef>
-              <a:buFont typeface="Arial" pitchFamily="34" charset="0"/>
-              <a:buChar char="•"/>
-              <a:defRPr sz="2000" kern="1200">
-                <a:solidFill>
-                  <a:schemeClr val="tx1"/>
-                </a:solidFill>
-                <a:latin typeface="+mn-lt"/>
-                <a:ea typeface="+mn-ea"/>
-                <a:cs typeface="+mn-cs"/>
-              </a:defRPr>
-            </a:lvl7pPr>
-            <a:lvl8pPr marL="3429000" indent="-228600" algn="l" defTabSz="914400" rtl="0" eaLnBrk="1" latinLnBrk="0" hangingPunct="1">
-              <a:spcBef>
-                <a:spcPct val="20000"/>
-              </a:spcBef>
-              <a:buFont typeface="Arial" pitchFamily="34" charset="0"/>
-              <a:buChar char="•"/>
-              <a:defRPr sz="2000" kern="1200">
-                <a:solidFill>
-                  <a:schemeClr val="tx1"/>
-                </a:solidFill>
-                <a:latin typeface="+mn-lt"/>
-                <a:ea typeface="+mn-ea"/>
-                <a:cs typeface="+mn-cs"/>
-              </a:defRPr>
-            </a:lvl8pPr>
-            <a:lvl9pPr marL="3886200" indent="-228600" algn="l" defTabSz="914400" rtl="0" eaLnBrk="1" latinLnBrk="0" hangingPunct="1">
-              <a:spcBef>
-                <a:spcPct val="20000"/>
-              </a:spcBef>
-              <a:buFont typeface="Arial" pitchFamily="34" charset="0"/>
-              <a:buChar char="•"/>
-              <a:defRPr sz="2000" kern="1200">
-                <a:solidFill>
-                  <a:schemeClr val="tx1"/>
-                </a:solidFill>
-                <a:latin typeface="+mn-lt"/>
-                <a:ea typeface="+mn-ea"/>
-                <a:cs typeface="+mn-cs"/>
-              </a:defRPr>
-            </a:lvl9pPr>
-          </a:lstStyle>
-          <a:p>
-            <a:r>
-              <a:rPr lang="pt-BR" dirty="0" smtClean="0"/>
-              <a:t>Operações com matrizes:</a:t>
-            </a:r>
-          </a:p>
-          <a:p>
-            <a:pPr lvl="1"/>
-            <a:r>
-              <a:rPr lang="pt-BR" dirty="0" err="1" smtClean="0">
-                <a:solidFill>
-                  <a:schemeClr val="accent1">
-                    <a:lumMod val="50000"/>
-                  </a:schemeClr>
-                </a:solidFill>
-              </a:rPr>
-              <a:t>Tranposição</a:t>
-            </a:r>
-            <a:r>
-              <a:rPr lang="pt-BR" dirty="0" smtClean="0">
-                <a:solidFill>
-                  <a:schemeClr val="accent1">
-                    <a:lumMod val="50000"/>
-                  </a:schemeClr>
-                </a:solidFill>
-              </a:rPr>
-              <a:t>: t(XY)</a:t>
-            </a:r>
-          </a:p>
-          <a:p>
-            <a:pPr lvl="1"/>
-            <a:r>
-              <a:rPr lang="pt-BR" dirty="0" smtClean="0">
-                <a:solidFill>
-                  <a:schemeClr val="accent1">
-                    <a:lumMod val="50000"/>
-                  </a:schemeClr>
-                </a:solidFill>
-              </a:rPr>
-              <a:t>Reorganizar linhas ou colunas: XY[c(5,1,2,4,3),]</a:t>
-            </a:r>
-          </a:p>
-          <a:p>
-            <a:pPr marL="457200" lvl="1" indent="0">
-              <a:buNone/>
-            </a:pPr>
-            <a:endParaRPr lang="pt-BR" dirty="0" smtClean="0">
-              <a:solidFill>
-                <a:schemeClr val="accent1">
-                  <a:lumMod val="50000"/>
-                </a:schemeClr>
-              </a:solidFill>
-            </a:endParaRPr>
-          </a:p>
-          <a:p>
-            <a:pPr marL="457200" lvl="1" indent="0">
-              <a:buNone/>
-            </a:pPr>
-            <a:endParaRPr lang="pt-BR" dirty="0" smtClean="0">
-              <a:solidFill>
-                <a:schemeClr val="accent3">
-                  <a:lumMod val="50000"/>
-                </a:schemeClr>
-              </a:solidFill>
-            </a:endParaRPr>
-          </a:p>
-          <a:p>
-            <a:pPr marL="457200" lvl="1" indent="0">
-              <a:buNone/>
-            </a:pPr>
-            <a:endParaRPr lang="pt-BR" dirty="0">
-              <a:solidFill>
-                <a:schemeClr val="accent3">
-                  <a:lumMod val="50000"/>
-                </a:schemeClr>
-              </a:solidFill>
-            </a:endParaRPr>
-          </a:p>
-        </p:txBody>
-      </p:sp>
-    </p:spTree>
-    <p:extLst>
-      <p:ext uri="{BB962C8B-B14F-4D97-AF65-F5344CB8AC3E}">
-        <p14:creationId xmlns:p14="http://schemas.microsoft.com/office/powerpoint/2010/main" val="27599563"/>
-      </p:ext>
-    </p:extLst>
-  </p:cSld>
-  <p:clrMapOvr>
-    <a:masterClrMapping/>
-  </p:clrMapOvr>
-  <p:timing>
-    <p:tnLst>
-      <p:par>
-        <p:cTn id="1" dur="indefinite" restart="never" nodeType="tmRoot"/>
-      </p:par>
-    </p:tnLst>
-  </p:timing>
-</p:sld>
-</file>
-
 <file path=ppt/slides/slide16.xml><?xml version="1.0" encoding="utf-8"?>
 <p:sld xmlns:a="http://schemas.openxmlformats.org/drawingml/2006/main" xmlns:r="http://schemas.openxmlformats.org/officeDocument/2006/relationships" xmlns:p="http://schemas.openxmlformats.org/presentationml/2006/main">
   <p:cSld>
@@ -8553,39 +8711,6 @@
           </a:p>
         </p:txBody>
       </p:sp>
-      <p:pic>
-        <p:nvPicPr>
-          <p:cNvPr id="1026" name="Picture 2"/>
-          <p:cNvPicPr>
-            <a:picLocks noChangeAspect="1" noChangeArrowheads="1"/>
-          </p:cNvPicPr>
-          <p:nvPr/>
-        </p:nvPicPr>
-        <p:blipFill>
-          <a:blip r:embed="rId3" cstate="print"/>
-          <a:srcRect/>
-          <a:stretch>
-            <a:fillRect/>
-          </a:stretch>
-        </p:blipFill>
-        <p:spPr bwMode="auto">
-          <a:xfrm>
-            <a:off x="857224" y="3733819"/>
-            <a:ext cx="7505700" cy="2409825"/>
-          </a:xfrm>
-          <a:prstGeom prst="rect">
-            <a:avLst/>
-          </a:prstGeom>
-          <a:noFill/>
-          <a:ln w="9525">
-            <a:noFill/>
-            <a:miter lim="800000"/>
-            <a:headEnd/>
-            <a:tailEnd/>
-          </a:ln>
-          <a:effectLst/>
-        </p:spPr>
-      </p:pic>
       <p:sp>
         <p:nvSpPr>
           <p:cNvPr id="7" name="Espaço Reservado para Conteúdo 2"/>
@@ -8596,8 +8721,8 @@
         </p:nvSpPr>
         <p:spPr>
           <a:xfrm>
-            <a:off x="714348" y="1428737"/>
-            <a:ext cx="8229600" cy="2286015"/>
+            <a:off x="714348" y="1828785"/>
+            <a:ext cx="8229600" cy="4602178"/>
           </a:xfrm>
           <a:prstGeom prst="rect">
             <a:avLst/>
@@ -8605,278 +8730,128 @@
         </p:spPr>
         <p:txBody>
           <a:bodyPr vert="horz" lIns="91440" tIns="45720" rIns="91440" bIns="45720" rtlCol="0">
-            <a:normAutofit fontScale="55000" lnSpcReduction="20000"/>
+            <a:normAutofit fontScale="92500" lnSpcReduction="20000"/>
           </a:bodyPr>
           <a:lstStyle>
-            <a:lvl1pPr marL="342900" indent="-342900" algn="l" defTabSz="914400" rtl="0" eaLnBrk="1" latinLnBrk="0" hangingPunct="1">
+            <a:defPPr>
+              <a:defRPr lang="en-US"/>
+            </a:defPPr>
+            <a:lvl1pPr marL="342900" indent="-342900">
               <a:spcBef>
                 <a:spcPct val="20000"/>
               </a:spcBef>
               <a:buFont typeface="Arial" pitchFamily="34" charset="0"/>
               <a:buChar char="•"/>
-              <a:defRPr sz="3200" kern="1200">
-                <a:solidFill>
-                  <a:schemeClr val="tx1"/>
-                </a:solidFill>
-                <a:latin typeface="+mn-lt"/>
-                <a:ea typeface="+mn-ea"/>
-                <a:cs typeface="+mn-cs"/>
-              </a:defRPr>
+              <a:defRPr sz="3200"/>
             </a:lvl1pPr>
-            <a:lvl2pPr marL="742950" indent="-285750" algn="l" defTabSz="914400" rtl="0" eaLnBrk="1" latinLnBrk="0" hangingPunct="1">
+            <a:lvl2pPr marL="742950" indent="-285750">
               <a:spcBef>
                 <a:spcPct val="20000"/>
               </a:spcBef>
               <a:buFont typeface="Arial" pitchFamily="34" charset="0"/>
               <a:buChar char="–"/>
-              <a:defRPr sz="2800" kern="1200">
-                <a:solidFill>
-                  <a:schemeClr val="tx1"/>
-                </a:solidFill>
-                <a:latin typeface="+mn-lt"/>
-                <a:ea typeface="+mn-ea"/>
-                <a:cs typeface="+mn-cs"/>
-              </a:defRPr>
+              <a:defRPr sz="2800"/>
             </a:lvl2pPr>
-            <a:lvl3pPr marL="1143000" indent="-228600" algn="l" defTabSz="914400" rtl="0" eaLnBrk="1" latinLnBrk="0" hangingPunct="1">
+            <a:lvl3pPr marL="1143000" indent="-228600">
               <a:spcBef>
                 <a:spcPct val="20000"/>
               </a:spcBef>
               <a:buFont typeface="Arial" pitchFamily="34" charset="0"/>
               <a:buChar char="•"/>
-              <a:defRPr sz="2400" kern="1200">
-                <a:solidFill>
-                  <a:schemeClr val="tx1"/>
-                </a:solidFill>
-                <a:latin typeface="+mn-lt"/>
-                <a:ea typeface="+mn-ea"/>
-                <a:cs typeface="+mn-cs"/>
-              </a:defRPr>
+              <a:defRPr sz="2400"/>
             </a:lvl3pPr>
-            <a:lvl4pPr marL="1600200" indent="-228600" algn="l" defTabSz="914400" rtl="0" eaLnBrk="1" latinLnBrk="0" hangingPunct="1">
+            <a:lvl4pPr marL="1600200" indent="-228600">
               <a:spcBef>
                 <a:spcPct val="20000"/>
               </a:spcBef>
               <a:buFont typeface="Arial" pitchFamily="34" charset="0"/>
               <a:buChar char="–"/>
-              <a:defRPr sz="2000" kern="1200">
-                <a:solidFill>
-                  <a:schemeClr val="tx1"/>
-                </a:solidFill>
-                <a:latin typeface="+mn-lt"/>
-                <a:ea typeface="+mn-ea"/>
-                <a:cs typeface="+mn-cs"/>
-              </a:defRPr>
+              <a:defRPr sz="2000"/>
             </a:lvl4pPr>
-            <a:lvl5pPr marL="2057400" indent="-228600" algn="l" defTabSz="914400" rtl="0" eaLnBrk="1" latinLnBrk="0" hangingPunct="1">
+            <a:lvl5pPr marL="2057400" indent="-228600">
               <a:spcBef>
                 <a:spcPct val="20000"/>
               </a:spcBef>
               <a:buFont typeface="Arial" pitchFamily="34" charset="0"/>
               <a:buChar char="»"/>
-              <a:defRPr sz="2000" kern="1200">
-                <a:solidFill>
-                  <a:schemeClr val="tx1"/>
-                </a:solidFill>
-                <a:latin typeface="+mn-lt"/>
-                <a:ea typeface="+mn-ea"/>
-                <a:cs typeface="+mn-cs"/>
-              </a:defRPr>
+              <a:defRPr sz="2000"/>
             </a:lvl5pPr>
-            <a:lvl6pPr marL="2514600" indent="-228600" algn="l" defTabSz="914400" rtl="0" eaLnBrk="1" latinLnBrk="0" hangingPunct="1">
+            <a:lvl6pPr marL="2514600" indent="-228600">
               <a:spcBef>
                 <a:spcPct val="20000"/>
               </a:spcBef>
               <a:buFont typeface="Arial" pitchFamily="34" charset="0"/>
               <a:buChar char="•"/>
-              <a:defRPr sz="2000" kern="1200">
-                <a:solidFill>
-                  <a:schemeClr val="tx1"/>
-                </a:solidFill>
-                <a:latin typeface="+mn-lt"/>
-                <a:ea typeface="+mn-ea"/>
-                <a:cs typeface="+mn-cs"/>
-              </a:defRPr>
+              <a:defRPr sz="2000"/>
             </a:lvl6pPr>
-            <a:lvl7pPr marL="2971800" indent="-228600" algn="l" defTabSz="914400" rtl="0" eaLnBrk="1" latinLnBrk="0" hangingPunct="1">
+            <a:lvl7pPr marL="2971800" indent="-228600">
               <a:spcBef>
                 <a:spcPct val="20000"/>
               </a:spcBef>
               <a:buFont typeface="Arial" pitchFamily="34" charset="0"/>
               <a:buChar char="•"/>
-              <a:defRPr sz="2000" kern="1200">
-                <a:solidFill>
-                  <a:schemeClr val="tx1"/>
-                </a:solidFill>
-                <a:latin typeface="+mn-lt"/>
-                <a:ea typeface="+mn-ea"/>
-                <a:cs typeface="+mn-cs"/>
-              </a:defRPr>
+              <a:defRPr sz="2000"/>
             </a:lvl7pPr>
-            <a:lvl8pPr marL="3429000" indent="-228600" algn="l" defTabSz="914400" rtl="0" eaLnBrk="1" latinLnBrk="0" hangingPunct="1">
+            <a:lvl8pPr marL="3429000" indent="-228600">
               <a:spcBef>
                 <a:spcPct val="20000"/>
               </a:spcBef>
               <a:buFont typeface="Arial" pitchFamily="34" charset="0"/>
               <a:buChar char="•"/>
-              <a:defRPr sz="2000" kern="1200">
-                <a:solidFill>
-                  <a:schemeClr val="tx1"/>
-                </a:solidFill>
-                <a:latin typeface="+mn-lt"/>
-                <a:ea typeface="+mn-ea"/>
-                <a:cs typeface="+mn-cs"/>
-              </a:defRPr>
+              <a:defRPr sz="2000"/>
             </a:lvl8pPr>
-            <a:lvl9pPr marL="3886200" indent="-228600" algn="l" defTabSz="914400" rtl="0" eaLnBrk="1" latinLnBrk="0" hangingPunct="1">
+            <a:lvl9pPr marL="3886200" indent="-228600">
               <a:spcBef>
                 <a:spcPct val="20000"/>
               </a:spcBef>
               <a:buFont typeface="Arial" pitchFamily="34" charset="0"/>
               <a:buChar char="•"/>
-              <a:defRPr sz="2000" kern="1200">
-                <a:solidFill>
-                  <a:schemeClr val="tx1"/>
-                </a:solidFill>
-                <a:latin typeface="+mn-lt"/>
-                <a:ea typeface="+mn-ea"/>
-                <a:cs typeface="+mn-cs"/>
-              </a:defRPr>
+              <a:defRPr sz="2000"/>
             </a:lvl9pPr>
           </a:lstStyle>
           <a:p>
             <a:r>
-              <a:rPr lang="pt-BR" dirty="0" smtClean="0"/>
-              <a:t>Um das classes de objetos mais utilizadas</a:t>
-            </a:r>
-          </a:p>
-          <a:p>
-            <a:r>
-              <a:rPr lang="pt-BR" dirty="0" smtClean="0"/>
-              <a:t>Classe normalmente resultante da importação de dados</a:t>
-            </a:r>
-          </a:p>
-          <a:p>
-            <a:r>
-              <a:rPr lang="pt-BR" dirty="0" smtClean="0"/>
+              <a:rPr lang="nl-NL" dirty="0"/>
+              <a:t>Muito importante!!!!!</a:t>
+            </a:r>
+          </a:p>
+          <a:p>
+            <a:endParaRPr lang="pt-BR" dirty="0"/>
+          </a:p>
+          <a:p>
+            <a:r>
+              <a:rPr lang="pt-BR" dirty="0"/>
+              <a:t>Um das classes de objetos mais utilizadas em banco de dados;</a:t>
+            </a:r>
+          </a:p>
+          <a:p>
+            <a:r>
+              <a:rPr lang="pt-BR" dirty="0"/>
+              <a:t>Classe normalmente resultante da importação de dados;</a:t>
+            </a:r>
+          </a:p>
+          <a:p>
+            <a:r>
+              <a:rPr lang="pt-BR" dirty="0"/>
               <a:t>Recursiva, muito semelhante as </a:t>
             </a:r>
             <a:r>
-              <a:rPr lang="pt-BR" dirty="0" err="1" smtClean="0"/>
+              <a:rPr lang="pt-BR" dirty="0" err="1"/>
               <a:t>lists</a:t>
             </a:r>
             <a:r>
-              <a:rPr lang="pt-BR" dirty="0" smtClean="0"/>
+              <a:rPr lang="pt-BR" dirty="0"/>
               <a:t>, mas todos os seus “recipientes“ têm o mesmo tamanho.</a:t>
             </a:r>
           </a:p>
           <a:p>
             <a:r>
-              <a:rPr lang="pt-BR" dirty="0" smtClean="0"/>
+              <a:rPr lang="pt-BR" dirty="0"/>
               <a:t>Pode ser entendida como um conjunto de vetores de mesmo comprimento.</a:t>
             </a:r>
           </a:p>
           <a:p>
-            <a:pPr>
-              <a:buNone/>
-            </a:pPr>
-            <a:endParaRPr lang="nl-NL" dirty="0" smtClean="0">
-              <a:solidFill>
-                <a:schemeClr val="accent1">
-                  <a:lumMod val="50000"/>
-                </a:schemeClr>
-              </a:solidFill>
-            </a:endParaRPr>
-          </a:p>
-          <a:p>
-            <a:pPr>
-              <a:buNone/>
-            </a:pPr>
-            <a:r>
-              <a:rPr lang="nl-NL" dirty="0" smtClean="0">
-                <a:solidFill>
-                  <a:srgbClr val="FF0000"/>
-                </a:solidFill>
-              </a:rPr>
-              <a:t>Muito importante!!!!!</a:t>
-            </a:r>
-          </a:p>
-          <a:p>
-            <a:pPr lvl="1">
-              <a:buNone/>
-            </a:pPr>
-            <a:endParaRPr lang="nl-NL" dirty="0" smtClean="0">
-              <a:solidFill>
-                <a:schemeClr val="accent1">
-                  <a:lumMod val="50000"/>
-                </a:schemeClr>
-              </a:solidFill>
-            </a:endParaRPr>
-          </a:p>
-          <a:p>
-            <a:pPr marL="457200" lvl="1" indent="0">
-              <a:buNone/>
-            </a:pPr>
-            <a:endParaRPr lang="pt-BR" dirty="0" smtClean="0">
-              <a:solidFill>
-                <a:schemeClr val="accent1">
-                  <a:lumMod val="50000"/>
-                </a:schemeClr>
-              </a:solidFill>
-            </a:endParaRPr>
-          </a:p>
-          <a:p>
-            <a:pPr marL="457200" lvl="1" indent="0">
-              <a:buNone/>
-            </a:pPr>
-            <a:endParaRPr lang="pt-BR" dirty="0" smtClean="0">
-              <a:solidFill>
-                <a:schemeClr val="accent3">
-                  <a:lumMod val="50000"/>
-                </a:schemeClr>
-              </a:solidFill>
-            </a:endParaRPr>
-          </a:p>
-          <a:p>
-            <a:pPr marL="457200" lvl="1" indent="0">
-              <a:buNone/>
-            </a:pPr>
-            <a:endParaRPr lang="pt-BR" dirty="0">
-              <a:solidFill>
-                <a:schemeClr val="accent3">
-                  <a:lumMod val="50000"/>
-                </a:schemeClr>
-              </a:solidFill>
-            </a:endParaRPr>
-          </a:p>
-        </p:txBody>
-      </p:sp>
-      <p:sp>
-        <p:nvSpPr>
-          <p:cNvPr id="8" name="CaixaDeTexto 7"/>
-          <p:cNvSpPr txBox="1"/>
-          <p:nvPr/>
-        </p:nvSpPr>
-        <p:spPr>
-          <a:xfrm>
-            <a:off x="6643702" y="6357958"/>
-            <a:ext cx="2167966" cy="369332"/>
-          </a:xfrm>
-          <a:prstGeom prst="rect">
-            <a:avLst/>
-          </a:prstGeom>
-          <a:noFill/>
-        </p:spPr>
-        <p:txBody>
-          <a:bodyPr wrap="none" rtlCol="0">
-            <a:spAutoFit/>
-          </a:bodyPr>
-          <a:lstStyle/>
-          <a:p>
-            <a:r>
-              <a:rPr lang="pt-BR" dirty="0" smtClean="0"/>
-              <a:t>Tomas Aragon (2010)</a:t>
-            </a:r>
+            <a:pPr lvl="1"/>
             <a:endParaRPr lang="pt-BR" dirty="0"/>
           </a:p>
         </p:txBody>
@@ -8920,6 +8895,436 @@
       </p:grpSpPr>
       <p:sp>
         <p:nvSpPr>
+          <p:cNvPr id="3" name="Espaço Reservado para Conteúdo 2"/>
+          <p:cNvSpPr>
+            <a:spLocks noGrp="1"/>
+          </p:cNvSpPr>
+          <p:nvPr>
+            <p:ph idx="1"/>
+          </p:nvPr>
+        </p:nvSpPr>
+        <p:spPr/>
+        <p:txBody>
+          <a:bodyPr/>
+          <a:lstStyle/>
+          <a:p>
+            <a:r>
+              <a:rPr lang="pt-BR" sz="2700" dirty="0" smtClean="0">
+                <a:solidFill>
+                  <a:schemeClr val="tx1"/>
+                </a:solidFill>
+                <a:latin typeface="+mn-lt"/>
+              </a:rPr>
+              <a:t>Criando um </a:t>
+            </a:r>
+            <a:r>
+              <a:rPr lang="pt-BR" sz="2700" dirty="0" err="1" smtClean="0">
+                <a:solidFill>
+                  <a:schemeClr val="tx1"/>
+                </a:solidFill>
+                <a:latin typeface="+mn-lt"/>
+              </a:rPr>
+              <a:t>dataframe</a:t>
+            </a:r>
+            <a:endParaRPr lang="pt-BR" sz="2700" dirty="0" smtClean="0">
+              <a:solidFill>
+                <a:schemeClr val="tx1"/>
+              </a:solidFill>
+              <a:latin typeface="+mn-lt"/>
+            </a:endParaRPr>
+          </a:p>
+          <a:p>
+            <a:pPr marL="0" indent="0">
+              <a:buNone/>
+            </a:pPr>
+            <a:r>
+              <a:rPr lang="pt-BR" sz="2000" dirty="0" err="1">
+                <a:solidFill>
+                  <a:schemeClr val="accent1">
+                    <a:lumMod val="50000"/>
+                  </a:schemeClr>
+                </a:solidFill>
+              </a:rPr>
+              <a:t>dataframe</a:t>
+            </a:r>
+            <a:r>
+              <a:rPr lang="pt-BR" sz="2000" dirty="0">
+                <a:solidFill>
+                  <a:schemeClr val="accent1">
+                    <a:lumMod val="50000"/>
+                  </a:schemeClr>
+                </a:solidFill>
+              </a:rPr>
+              <a:t> &lt;- </a:t>
+            </a:r>
+            <a:r>
+              <a:rPr lang="pt-BR" sz="2000" dirty="0" err="1">
+                <a:solidFill>
+                  <a:schemeClr val="accent1">
+                    <a:lumMod val="50000"/>
+                  </a:schemeClr>
+                </a:solidFill>
+              </a:rPr>
+              <a:t>data.frame</a:t>
+            </a:r>
+            <a:r>
+              <a:rPr lang="pt-BR" sz="2000" dirty="0">
+                <a:solidFill>
+                  <a:schemeClr val="accent1">
+                    <a:lumMod val="50000"/>
+                  </a:schemeClr>
+                </a:solidFill>
+              </a:rPr>
+              <a:t>(</a:t>
+            </a:r>
+          </a:p>
+          <a:p>
+            <a:pPr marL="0" indent="0">
+              <a:buNone/>
+            </a:pPr>
+            <a:r>
+              <a:rPr lang="pt-BR" sz="2000" dirty="0">
+                <a:solidFill>
+                  <a:schemeClr val="accent1">
+                    <a:lumMod val="50000"/>
+                  </a:schemeClr>
+                </a:solidFill>
+              </a:rPr>
+              <a:t>	id = c (1:5), </a:t>
+            </a:r>
+          </a:p>
+          <a:p>
+            <a:pPr marL="0" indent="0">
+              <a:buNone/>
+            </a:pPr>
+            <a:r>
+              <a:rPr lang="pt-BR" sz="2000" dirty="0">
+                <a:solidFill>
+                  <a:schemeClr val="accent1">
+                    <a:lumMod val="50000"/>
+                  </a:schemeClr>
+                </a:solidFill>
+              </a:rPr>
+              <a:t>	nome  = c("Rick</a:t>
+            </a:r>
+            <a:r>
+              <a:rPr lang="pt-BR" sz="2000" dirty="0" smtClean="0">
+                <a:solidFill>
+                  <a:schemeClr val="accent1">
+                    <a:lumMod val="50000"/>
+                  </a:schemeClr>
+                </a:solidFill>
+              </a:rPr>
+              <a:t>", "</a:t>
+            </a:r>
+            <a:r>
+              <a:rPr lang="pt-BR" sz="2000" dirty="0">
+                <a:solidFill>
+                  <a:schemeClr val="accent1">
+                    <a:lumMod val="50000"/>
+                  </a:schemeClr>
+                </a:solidFill>
+              </a:rPr>
+              <a:t>Dan</a:t>
+            </a:r>
+            <a:r>
+              <a:rPr lang="pt-BR" sz="2000" dirty="0" smtClean="0">
+                <a:solidFill>
+                  <a:schemeClr val="accent1">
+                    <a:lumMod val="50000"/>
+                  </a:schemeClr>
+                </a:solidFill>
+              </a:rPr>
+              <a:t>", "</a:t>
+            </a:r>
+            <a:r>
+              <a:rPr lang="pt-BR" sz="2000" dirty="0">
+                <a:solidFill>
+                  <a:schemeClr val="accent1">
+                    <a:lumMod val="50000"/>
+                  </a:schemeClr>
+                </a:solidFill>
+              </a:rPr>
+              <a:t>Michelle</a:t>
+            </a:r>
+            <a:r>
+              <a:rPr lang="pt-BR" sz="2000" dirty="0" smtClean="0">
+                <a:solidFill>
+                  <a:schemeClr val="accent1">
+                    <a:lumMod val="50000"/>
+                  </a:schemeClr>
+                </a:solidFill>
+              </a:rPr>
+              <a:t>", "</a:t>
+            </a:r>
+            <a:r>
+              <a:rPr lang="pt-BR" sz="2000" dirty="0">
+                <a:solidFill>
+                  <a:schemeClr val="accent1">
+                    <a:lumMod val="50000"/>
+                  </a:schemeClr>
+                </a:solidFill>
+              </a:rPr>
+              <a:t>Ryan</a:t>
+            </a:r>
+            <a:r>
+              <a:rPr lang="pt-BR" sz="2000" dirty="0" smtClean="0">
+                <a:solidFill>
+                  <a:schemeClr val="accent1">
+                    <a:lumMod val="50000"/>
+                  </a:schemeClr>
+                </a:solidFill>
+              </a:rPr>
+              <a:t>", "</a:t>
+            </a:r>
+            <a:r>
+              <a:rPr lang="pt-BR" sz="2000" dirty="0">
+                <a:solidFill>
+                  <a:schemeClr val="accent1">
+                    <a:lumMod val="50000"/>
+                  </a:schemeClr>
+                </a:solidFill>
+              </a:rPr>
+              <a:t>Gary"),</a:t>
+            </a:r>
+          </a:p>
+          <a:p>
+            <a:pPr marL="0" indent="0">
+              <a:buNone/>
+            </a:pPr>
+            <a:r>
+              <a:rPr lang="pt-BR" sz="2000" dirty="0">
+                <a:solidFill>
+                  <a:schemeClr val="accent1">
+                    <a:lumMod val="50000"/>
+                  </a:schemeClr>
+                </a:solidFill>
+              </a:rPr>
+              <a:t>	salario = c(623.3</a:t>
+            </a:r>
+            <a:r>
+              <a:rPr lang="pt-BR" sz="2000" dirty="0" smtClean="0">
+                <a:solidFill>
+                  <a:schemeClr val="accent1">
+                    <a:lumMod val="50000"/>
+                  </a:schemeClr>
+                </a:solidFill>
+              </a:rPr>
+              <a:t>, 515.2, 611.0, 729.0, 843.25</a:t>
+            </a:r>
+            <a:r>
+              <a:rPr lang="pt-BR" sz="2000" dirty="0"/>
+              <a:t>))</a:t>
+            </a:r>
+          </a:p>
+          <a:p>
+            <a:endParaRPr lang="pt-BR" sz="2700" dirty="0" smtClean="0">
+              <a:solidFill>
+                <a:schemeClr val="tx1"/>
+              </a:solidFill>
+              <a:latin typeface="+mn-lt"/>
+            </a:endParaRPr>
+          </a:p>
+          <a:p>
+            <a:r>
+              <a:rPr lang="pt-BR" sz="2700" dirty="0" smtClean="0">
+                <a:solidFill>
+                  <a:schemeClr val="tx1"/>
+                </a:solidFill>
+                <a:latin typeface="+mn-lt"/>
+              </a:rPr>
+              <a:t>Indexação</a:t>
+            </a:r>
+            <a:endParaRPr lang="pt-BR" sz="2700" dirty="0">
+              <a:solidFill>
+                <a:schemeClr val="tx1"/>
+              </a:solidFill>
+              <a:latin typeface="+mn-lt"/>
+            </a:endParaRPr>
+          </a:p>
+          <a:p>
+            <a:pPr marL="0" indent="0">
+              <a:buNone/>
+            </a:pPr>
+            <a:r>
+              <a:rPr lang="pt-BR" sz="2000" dirty="0" err="1">
+                <a:solidFill>
+                  <a:schemeClr val="accent1">
+                    <a:lumMod val="50000"/>
+                  </a:schemeClr>
+                </a:solidFill>
+              </a:rPr>
+              <a:t>d</a:t>
+            </a:r>
+            <a:r>
+              <a:rPr lang="pt-BR" sz="2000" dirty="0" err="1" smtClean="0">
+                <a:solidFill>
+                  <a:schemeClr val="accent1">
+                    <a:lumMod val="50000"/>
+                  </a:schemeClr>
+                </a:solidFill>
+              </a:rPr>
+              <a:t>ataframe</a:t>
+            </a:r>
+            <a:r>
+              <a:rPr lang="pt-BR" sz="2000" dirty="0" smtClean="0">
+                <a:solidFill>
+                  <a:schemeClr val="accent1">
+                    <a:lumMod val="50000"/>
+                  </a:schemeClr>
+                </a:solidFill>
+              </a:rPr>
+              <a:t>[2] </a:t>
+            </a:r>
+            <a:r>
+              <a:rPr lang="pt-BR" sz="2000" dirty="0" smtClean="0">
+                <a:solidFill>
+                  <a:schemeClr val="tx1"/>
+                </a:solidFill>
+              </a:rPr>
+              <a:t>ou</a:t>
+            </a:r>
+            <a:r>
+              <a:rPr lang="pt-BR" sz="2000" dirty="0" smtClean="0">
+                <a:solidFill>
+                  <a:schemeClr val="accent1">
+                    <a:lumMod val="50000"/>
+                  </a:schemeClr>
+                </a:solidFill>
+              </a:rPr>
+              <a:t> </a:t>
+            </a:r>
+            <a:r>
+              <a:rPr lang="pt-BR" sz="2000" dirty="0" err="1" smtClean="0">
+                <a:solidFill>
+                  <a:schemeClr val="accent1">
+                    <a:lumMod val="50000"/>
+                  </a:schemeClr>
+                </a:solidFill>
+              </a:rPr>
+              <a:t>dataframe$nome</a:t>
+            </a:r>
+            <a:endParaRPr lang="pt-BR" sz="2000" dirty="0" smtClean="0">
+              <a:solidFill>
+                <a:schemeClr val="accent1">
+                  <a:lumMod val="50000"/>
+                </a:schemeClr>
+              </a:solidFill>
+            </a:endParaRPr>
+          </a:p>
+          <a:p>
+            <a:pPr marL="0" indent="0">
+              <a:buNone/>
+            </a:pPr>
+            <a:r>
+              <a:rPr lang="pt-BR" sz="2000" dirty="0" err="1" smtClean="0">
+                <a:solidFill>
+                  <a:schemeClr val="accent1">
+                    <a:lumMod val="50000"/>
+                  </a:schemeClr>
+                </a:solidFill>
+              </a:rPr>
+              <a:t>dataframe</a:t>
+            </a:r>
+            <a:r>
+              <a:rPr lang="pt-BR" sz="2000" dirty="0" smtClean="0">
+                <a:solidFill>
+                  <a:schemeClr val="accent1">
+                    <a:lumMod val="50000"/>
+                  </a:schemeClr>
+                </a:solidFill>
+              </a:rPr>
+              <a:t>[1,2] (</a:t>
+            </a:r>
+            <a:r>
+              <a:rPr lang="pt-BR" sz="2000" dirty="0" smtClean="0">
+                <a:solidFill>
+                  <a:schemeClr val="tx1"/>
+                </a:solidFill>
+              </a:rPr>
+              <a:t>linha, coluna)</a:t>
+            </a:r>
+            <a:endParaRPr lang="pt-BR" sz="2000" dirty="0">
+              <a:solidFill>
+                <a:schemeClr val="tx1"/>
+              </a:solidFill>
+            </a:endParaRPr>
+          </a:p>
+          <a:p>
+            <a:pPr marL="0" indent="0">
+              <a:buNone/>
+            </a:pPr>
+            <a:endParaRPr lang="pt-BR" sz="2700" dirty="0">
+              <a:solidFill>
+                <a:schemeClr val="tx1"/>
+              </a:solidFill>
+              <a:latin typeface="+mn-lt"/>
+            </a:endParaRPr>
+          </a:p>
+        </p:txBody>
+      </p:sp>
+      <p:sp>
+        <p:nvSpPr>
+          <p:cNvPr id="5" name="Título 1"/>
+          <p:cNvSpPr>
+            <a:spLocks noGrp="1"/>
+          </p:cNvSpPr>
+          <p:nvPr>
+            <p:ph type="title"/>
+          </p:nvPr>
+        </p:nvSpPr>
+        <p:spPr>
+          <a:xfrm>
+            <a:off x="457200" y="428604"/>
+            <a:ext cx="8229600" cy="1066800"/>
+          </a:xfrm>
+        </p:spPr>
+        <p:txBody>
+          <a:bodyPr>
+            <a:normAutofit/>
+          </a:bodyPr>
+          <a:lstStyle/>
+          <a:p>
+            <a:r>
+              <a:rPr lang="pt-BR" dirty="0" err="1" smtClean="0"/>
+              <a:t>Dataframes</a:t>
+            </a:r>
+            <a:endParaRPr lang="pt-BR" dirty="0"/>
+          </a:p>
+        </p:txBody>
+      </p:sp>
+    </p:spTree>
+    <p:extLst>
+      <p:ext uri="{BB962C8B-B14F-4D97-AF65-F5344CB8AC3E}">
+        <p14:creationId xmlns:p14="http://schemas.microsoft.com/office/powerpoint/2010/main" val="4083863586"/>
+      </p:ext>
+    </p:extLst>
+  </p:cSld>
+  <p:clrMapOvr>
+    <a:masterClrMapping/>
+  </p:clrMapOvr>
+</p:sld>
+</file>
+
+<file path=ppt/slides/slide18.xml><?xml version="1.0" encoding="utf-8"?>
+<p:sld xmlns:a="http://schemas.openxmlformats.org/drawingml/2006/main" xmlns:r="http://schemas.openxmlformats.org/officeDocument/2006/relationships" xmlns:p="http://schemas.openxmlformats.org/presentationml/2006/main">
+  <p:cSld>
+    <p:spTree>
+      <p:nvGrpSpPr>
+        <p:cNvPr id="1" name=""/>
+        <p:cNvGrpSpPr/>
+        <p:nvPr/>
+      </p:nvGrpSpPr>
+      <p:grpSpPr>
+        <a:xfrm>
+          <a:off x="0" y="0"/>
+          <a:ext cx="0" cy="0"/>
+          <a:chOff x="0" y="0"/>
+          <a:chExt cx="0" cy="0"/>
+        </a:xfrm>
+      </p:grpSpPr>
+      <p:sp>
+        <p:nvSpPr>
           <p:cNvPr id="2" name="Título 1"/>
           <p:cNvSpPr>
             <a:spLocks noGrp="1"/>
@@ -9007,7 +9412,7 @@
         </p:spPr>
         <p:txBody>
           <a:bodyPr vert="horz" lIns="91440" tIns="45720" rIns="91440" bIns="45720" rtlCol="0">
-            <a:normAutofit fontScale="85000" lnSpcReduction="20000"/>
+            <a:normAutofit/>
           </a:bodyPr>
           <a:lstStyle>
             <a:lvl1pPr marL="342900" indent="-342900" algn="l" defTabSz="914400" rtl="0" eaLnBrk="1" latinLnBrk="0" hangingPunct="1">
@@ -9177,72 +9582,6 @@
               <a:rPr lang="pt-BR" dirty="0" smtClean="0"/>
               <a:t>.</a:t>
             </a:r>
-          </a:p>
-          <a:p>
-            <a:r>
-              <a:rPr lang="pt-BR" dirty="0" smtClean="0"/>
-              <a:t>Criando </a:t>
-            </a:r>
-            <a:r>
-              <a:rPr lang="pt-BR" dirty="0" err="1" smtClean="0"/>
-              <a:t>lists</a:t>
-            </a:r>
-            <a:r>
-              <a:rPr lang="pt-BR" dirty="0" smtClean="0"/>
-              <a:t>:</a:t>
-            </a:r>
-          </a:p>
-          <a:p>
-            <a:pPr lvl="1">
-              <a:buNone/>
-            </a:pPr>
-            <a:r>
-              <a:rPr lang="nl-NL" dirty="0" smtClean="0">
-                <a:solidFill>
-                  <a:schemeClr val="accent1">
-                    <a:lumMod val="50000"/>
-                  </a:schemeClr>
-                </a:solidFill>
-              </a:rPr>
-              <a:t>vetor1 &lt;- 1:100</a:t>
-            </a:r>
-          </a:p>
-          <a:p>
-            <a:pPr lvl="1">
-              <a:buNone/>
-            </a:pPr>
-            <a:r>
-              <a:rPr lang="nl-NL" dirty="0" smtClean="0">
-                <a:solidFill>
-                  <a:schemeClr val="accent1">
-                    <a:lumMod val="50000"/>
-                  </a:schemeClr>
-                </a:solidFill>
-              </a:rPr>
-              <a:t>vetor2 &lt;- letters[1:23]</a:t>
-            </a:r>
-          </a:p>
-          <a:p>
-            <a:pPr lvl="1">
-              <a:buNone/>
-            </a:pPr>
-            <a:r>
-              <a:rPr lang="nl-NL" dirty="0" smtClean="0">
-                <a:solidFill>
-                  <a:schemeClr val="accent1">
-                    <a:lumMod val="50000"/>
-                  </a:schemeClr>
-                </a:solidFill>
-              </a:rPr>
-              <a:t>lista&lt;-list(Numero=vetor1,Letras&lt;-vetor2)</a:t>
-            </a:r>
-            <a:endParaRPr lang="pt-BR" dirty="0" smtClean="0">
-              <a:solidFill>
-                <a:schemeClr val="accent1">
-                  <a:lumMod val="50000"/>
-                </a:schemeClr>
-              </a:solidFill>
-            </a:endParaRPr>
           </a:p>
         </p:txBody>
       </p:sp>
@@ -9508,196 +9847,6 @@
                       </p:childTnLst>
                     </p:cTn>
                   </p:par>
-                  <p:par>
-                    <p:cTn id="23" fill="hold">
-                      <p:stCondLst>
-                        <p:cond delay="indefinite"/>
-                      </p:stCondLst>
-                      <p:childTnLst>
-                        <p:par>
-                          <p:cTn id="24" fill="hold">
-                            <p:stCondLst>
-                              <p:cond delay="0"/>
-                            </p:stCondLst>
-                            <p:childTnLst>
-                              <p:par>
-                                <p:cTn id="25" presetID="10" presetClass="entr" presetSubtype="0" fill="hold" nodeType="clickEffect">
-                                  <p:stCondLst>
-                                    <p:cond delay="0"/>
-                                  </p:stCondLst>
-                                  <p:childTnLst>
-                                    <p:set>
-                                      <p:cBhvr>
-                                        <p:cTn id="26" dur="1" fill="hold">
-                                          <p:stCondLst>
-                                            <p:cond delay="0"/>
-                                          </p:stCondLst>
-                                        </p:cTn>
-                                        <p:tgtEl>
-                                          <p:spTgt spid="14">
-                                            <p:txEl>
-                                              <p:pRg st="4" end="4"/>
-                                            </p:txEl>
-                                          </p:spTgt>
-                                        </p:tgtEl>
-                                        <p:attrNameLst>
-                                          <p:attrName>style.visibility</p:attrName>
-                                        </p:attrNameLst>
-                                      </p:cBhvr>
-                                      <p:to>
-                                        <p:strVal val="visible"/>
-                                      </p:to>
-                                    </p:set>
-                                    <p:animEffect transition="in" filter="fade">
-                                      <p:cBhvr>
-                                        <p:cTn id="27" dur="500"/>
-                                        <p:tgtEl>
-                                          <p:spTgt spid="14">
-                                            <p:txEl>
-                                              <p:pRg st="4" end="4"/>
-                                            </p:txEl>
-                                          </p:spTgt>
-                                        </p:tgtEl>
-                                      </p:cBhvr>
-                                    </p:animEffect>
-                                  </p:childTnLst>
-                                </p:cTn>
-                              </p:par>
-                              <p:par>
-                                <p:cTn id="28" presetID="10" presetClass="entr" presetSubtype="0" fill="hold" nodeType="withEffect">
-                                  <p:stCondLst>
-                                    <p:cond delay="0"/>
-                                  </p:stCondLst>
-                                  <p:childTnLst>
-                                    <p:set>
-                                      <p:cBhvr>
-                                        <p:cTn id="29" dur="1" fill="hold">
-                                          <p:stCondLst>
-                                            <p:cond delay="0"/>
-                                          </p:stCondLst>
-                                        </p:cTn>
-                                        <p:tgtEl>
-                                          <p:spTgt spid="14">
-                                            <p:txEl>
-                                              <p:pRg st="5" end="5"/>
-                                            </p:txEl>
-                                          </p:spTgt>
-                                        </p:tgtEl>
-                                        <p:attrNameLst>
-                                          <p:attrName>style.visibility</p:attrName>
-                                        </p:attrNameLst>
-                                      </p:cBhvr>
-                                      <p:to>
-                                        <p:strVal val="visible"/>
-                                      </p:to>
-                                    </p:set>
-                                    <p:animEffect transition="in" filter="fade">
-                                      <p:cBhvr>
-                                        <p:cTn id="30" dur="500"/>
-                                        <p:tgtEl>
-                                          <p:spTgt spid="14">
-                                            <p:txEl>
-                                              <p:pRg st="5" end="5"/>
-                                            </p:txEl>
-                                          </p:spTgt>
-                                        </p:tgtEl>
-                                      </p:cBhvr>
-                                    </p:animEffect>
-                                  </p:childTnLst>
-                                </p:cTn>
-                              </p:par>
-                              <p:par>
-                                <p:cTn id="31" presetID="10" presetClass="entr" presetSubtype="0" fill="hold" nodeType="withEffect">
-                                  <p:stCondLst>
-                                    <p:cond delay="0"/>
-                                  </p:stCondLst>
-                                  <p:childTnLst>
-                                    <p:set>
-                                      <p:cBhvr>
-                                        <p:cTn id="32" dur="1" fill="hold">
-                                          <p:stCondLst>
-                                            <p:cond delay="0"/>
-                                          </p:stCondLst>
-                                        </p:cTn>
-                                        <p:tgtEl>
-                                          <p:spTgt spid="14">
-                                            <p:txEl>
-                                              <p:pRg st="6" end="6"/>
-                                            </p:txEl>
-                                          </p:spTgt>
-                                        </p:tgtEl>
-                                        <p:attrNameLst>
-                                          <p:attrName>style.visibility</p:attrName>
-                                        </p:attrNameLst>
-                                      </p:cBhvr>
-                                      <p:to>
-                                        <p:strVal val="visible"/>
-                                      </p:to>
-                                    </p:set>
-                                    <p:animEffect transition="in" filter="fade">
-                                      <p:cBhvr>
-                                        <p:cTn id="33" dur="500"/>
-                                        <p:tgtEl>
-                                          <p:spTgt spid="14">
-                                            <p:txEl>
-                                              <p:pRg st="6" end="6"/>
-                                            </p:txEl>
-                                          </p:spTgt>
-                                        </p:tgtEl>
-                                      </p:cBhvr>
-                                    </p:animEffect>
-                                  </p:childTnLst>
-                                </p:cTn>
-                              </p:par>
-                              <p:par>
-                                <p:cTn id="34" presetID="10" presetClass="entr" presetSubtype="0" fill="hold" nodeType="withEffect">
-                                  <p:stCondLst>
-                                    <p:cond delay="0"/>
-                                  </p:stCondLst>
-                                  <p:childTnLst>
-                                    <p:set>
-                                      <p:cBhvr>
-                                        <p:cTn id="35" dur="1" fill="hold">
-                                          <p:stCondLst>
-                                            <p:cond delay="0"/>
-                                          </p:stCondLst>
-                                        </p:cTn>
-                                        <p:tgtEl>
-                                          <p:spTgt spid="14">
-                                            <p:txEl>
-                                              <p:pRg st="7" end="7"/>
-                                            </p:txEl>
-                                          </p:spTgt>
-                                        </p:tgtEl>
-                                        <p:attrNameLst>
-                                          <p:attrName>style.visibility</p:attrName>
-                                        </p:attrNameLst>
-                                      </p:cBhvr>
-                                      <p:to>
-                                        <p:strVal val="visible"/>
-                                      </p:to>
-                                    </p:set>
-                                    <p:animEffect transition="in" filter="fade">
-                                      <p:cBhvr>
-                                        <p:cTn id="36" dur="500"/>
-                                        <p:tgtEl>
-                                          <p:spTgt spid="14">
-                                            <p:txEl>
-                                              <p:pRg st="7" end="7"/>
-                                            </p:txEl>
-                                          </p:spTgt>
-                                        </p:tgtEl>
-                                      </p:cBhvr>
-                                    </p:animEffect>
-                                  </p:childTnLst>
-                                </p:cTn>
-                              </p:par>
-                            </p:childTnLst>
-                          </p:cTn>
-                        </p:par>
-                      </p:childTnLst>
-                    </p:cTn>
-                  </p:par>
                 </p:childTnLst>
               </p:cTn>
               <p:prevCondLst>
@@ -9723,7 +9872,7 @@
 </p:sld>
 </file>
 
-<file path=ppt/slides/slide18.xml><?xml version="1.0" encoding="utf-8"?>
+<file path=ppt/slides/slide19.xml><?xml version="1.0" encoding="utf-8"?>
 <p:sld xmlns:a="http://schemas.openxmlformats.org/drawingml/2006/main" xmlns:r="http://schemas.openxmlformats.org/officeDocument/2006/relationships" xmlns:p="http://schemas.openxmlformats.org/presentationml/2006/main">
   <p:cSld>
     <p:spTree>
@@ -10018,39 +10167,6 @@
           </a:p>
         </p:txBody>
       </p:sp>
-      <p:pic>
-        <p:nvPicPr>
-          <p:cNvPr id="1026" name="Picture 2"/>
-          <p:cNvPicPr>
-            <a:picLocks noChangeAspect="1" noChangeArrowheads="1"/>
-          </p:cNvPicPr>
-          <p:nvPr/>
-        </p:nvPicPr>
-        <p:blipFill>
-          <a:blip r:embed="rId3" cstate="print"/>
-          <a:srcRect/>
-          <a:stretch>
-            <a:fillRect/>
-          </a:stretch>
-        </p:blipFill>
-        <p:spPr bwMode="auto">
-          <a:xfrm>
-            <a:off x="857224" y="4214818"/>
-            <a:ext cx="7505700" cy="2409825"/>
-          </a:xfrm>
-          <a:prstGeom prst="rect">
-            <a:avLst/>
-          </a:prstGeom>
-          <a:noFill/>
-          <a:ln w="9525">
-            <a:noFill/>
-            <a:miter lim="800000"/>
-            <a:headEnd/>
-            <a:tailEnd/>
-          </a:ln>
-          <a:effectLst/>
-        </p:spPr>
-      </p:pic>
       <p:sp>
         <p:nvSpPr>
           <p:cNvPr id="7" name="Espaço Reservado para Conteúdo 2"/>
@@ -10062,7 +10178,7 @@
         <p:spPr>
           <a:xfrm>
             <a:off x="714348" y="1428737"/>
-            <a:ext cx="8229600" cy="2286015"/>
+            <a:ext cx="7515252" cy="4849826"/>
           </a:xfrm>
           <a:prstGeom prst="rect">
             <a:avLst/>
@@ -10070,7 +10186,7 @@
         </p:spPr>
         <p:txBody>
           <a:bodyPr vert="horz" lIns="91440" tIns="45720" rIns="91440" bIns="45720" rtlCol="0">
-            <a:normAutofit fontScale="62500" lnSpcReduction="20000"/>
+            <a:normAutofit fontScale="92500" lnSpcReduction="10000"/>
           </a:bodyPr>
           <a:lstStyle>
             <a:lvl1pPr marL="342900" indent="-342900" algn="l" defTabSz="914400" rtl="0" eaLnBrk="1" latinLnBrk="0" hangingPunct="1">
@@ -10211,6 +10327,75 @@
           </a:lstStyle>
           <a:p>
             <a:r>
+              <a:rPr lang="pt-BR" dirty="0"/>
+              <a:t>Criando </a:t>
+            </a:r>
+            <a:r>
+              <a:rPr lang="pt-BR" dirty="0" err="1"/>
+              <a:t>lists</a:t>
+            </a:r>
+            <a:r>
+              <a:rPr lang="pt-BR" dirty="0"/>
+              <a:t>:</a:t>
+            </a:r>
+          </a:p>
+          <a:p>
+            <a:pPr lvl="1">
+              <a:buNone/>
+            </a:pPr>
+            <a:r>
+              <a:rPr lang="nl-NL" dirty="0">
+                <a:solidFill>
+                  <a:schemeClr val="accent1">
+                    <a:lumMod val="50000"/>
+                  </a:schemeClr>
+                </a:solidFill>
+              </a:rPr>
+              <a:t>vetor1 &lt;- 1:100</a:t>
+            </a:r>
+          </a:p>
+          <a:p>
+            <a:pPr lvl="1">
+              <a:buNone/>
+            </a:pPr>
+            <a:r>
+              <a:rPr lang="nl-NL" dirty="0">
+                <a:solidFill>
+                  <a:schemeClr val="accent1">
+                    <a:lumMod val="50000"/>
+                  </a:schemeClr>
+                </a:solidFill>
+              </a:rPr>
+              <a:t>vetor2 &lt;- letters[1:23]</a:t>
+            </a:r>
+          </a:p>
+          <a:p>
+            <a:pPr lvl="1">
+              <a:buNone/>
+            </a:pPr>
+            <a:r>
+              <a:rPr lang="nl-NL" dirty="0">
+                <a:solidFill>
+                  <a:schemeClr val="accent1">
+                    <a:lumMod val="50000"/>
+                  </a:schemeClr>
+                </a:solidFill>
+              </a:rPr>
+              <a:t>lista&lt;-list(Numero=vetor1,Letras&lt;-vetor2)</a:t>
+            </a:r>
+            <a:endParaRPr lang="pt-BR" dirty="0">
+              <a:solidFill>
+                <a:schemeClr val="accent1">
+                  <a:lumMod val="50000"/>
+                </a:schemeClr>
+              </a:solidFill>
+            </a:endParaRPr>
+          </a:p>
+          <a:p>
+            <a:endParaRPr lang="pt-BR" dirty="0" smtClean="0"/>
+          </a:p>
+          <a:p>
+            <a:r>
               <a:rPr lang="pt-BR" dirty="0" smtClean="0"/>
               <a:t>Indexação de </a:t>
             </a:r>
@@ -10291,19 +10476,6 @@
                 </a:schemeClr>
               </a:solidFill>
             </a:endParaRPr>
-          </a:p>
-          <a:p>
-            <a:pPr>
-              <a:buNone/>
-            </a:pPr>
-            <a:r>
-              <a:rPr lang="nl-NL" dirty="0" smtClean="0">
-                <a:solidFill>
-                  <a:srgbClr val="FF0000"/>
-                </a:solidFill>
-              </a:rPr>
-              <a:t>Muito importante!!!!!</a:t>
-            </a:r>
           </a:p>
           <a:p>
             <a:pPr lvl="1">
@@ -10375,78 +10547,6 @@
 </p:sld>
 </file>
 
-<file path=ppt/slides/slide19.xml><?xml version="1.0" encoding="utf-8"?>
-<p:sld xmlns:a="http://schemas.openxmlformats.org/drawingml/2006/main" xmlns:r="http://schemas.openxmlformats.org/officeDocument/2006/relationships" xmlns:p="http://schemas.openxmlformats.org/presentationml/2006/main">
-  <p:cSld>
-    <p:spTree>
-      <p:nvGrpSpPr>
-        <p:cNvPr id="1" name=""/>
-        <p:cNvGrpSpPr/>
-        <p:nvPr/>
-      </p:nvGrpSpPr>
-      <p:grpSpPr>
-        <a:xfrm>
-          <a:off x="0" y="0"/>
-          <a:ext cx="0" cy="0"/>
-          <a:chOff x="0" y="0"/>
-          <a:chExt cx="0" cy="0"/>
-        </a:xfrm>
-      </p:grpSpPr>
-      <p:sp>
-        <p:nvSpPr>
-          <p:cNvPr id="2" name="Título 1"/>
-          <p:cNvSpPr>
-            <a:spLocks noGrp="1"/>
-          </p:cNvSpPr>
-          <p:nvPr>
-            <p:ph type="title"/>
-          </p:nvPr>
-        </p:nvSpPr>
-        <p:spPr/>
-        <p:txBody>
-          <a:bodyPr/>
-          <a:lstStyle/>
-          <a:p>
-            <a:r>
-              <a:rPr lang="pt-BR" dirty="0" smtClean="0"/>
-              <a:t>Gráficos</a:t>
-            </a:r>
-            <a:endParaRPr lang="pt-BR" dirty="0"/>
-          </a:p>
-        </p:txBody>
-      </p:sp>
-      <p:sp>
-        <p:nvSpPr>
-          <p:cNvPr id="3" name="Espaço Reservado para Texto 2"/>
-          <p:cNvSpPr>
-            <a:spLocks noGrp="1"/>
-          </p:cNvSpPr>
-          <p:nvPr>
-            <p:ph type="body" idx="1"/>
-          </p:nvPr>
-        </p:nvSpPr>
-        <p:spPr/>
-        <p:txBody>
-          <a:bodyPr/>
-          <a:lstStyle/>
-          <a:p>
-            <a:endParaRPr lang="pt-BR"/>
-          </a:p>
-        </p:txBody>
-      </p:sp>
-    </p:spTree>
-    <p:extLst>
-      <p:ext uri="{BB962C8B-B14F-4D97-AF65-F5344CB8AC3E}">
-        <p14:creationId xmlns:p14="http://schemas.microsoft.com/office/powerpoint/2010/main" val="2742332906"/>
-      </p:ext>
-    </p:extLst>
-  </p:cSld>
-  <p:clrMapOvr>
-    <a:masterClrMapping/>
-  </p:clrMapOvr>
-</p:sld>
-</file>
-
 <file path=ppt/slides/slide2.xml><?xml version="1.0" encoding="utf-8"?>
 <p:sld xmlns:a="http://schemas.openxmlformats.org/drawingml/2006/main" xmlns:r="http://schemas.openxmlformats.org/officeDocument/2006/relationships" xmlns:p="http://schemas.openxmlformats.org/presentationml/2006/main">
   <p:cSld>
@@ -10534,21 +10634,8 @@
                   <a:schemeClr val="tx1"/>
                 </a:solidFill>
               </a:rPr>
-              <a:t>A comunidade do R é bem ativa e amigável</a:t>
-            </a:r>
-            <a:r>
-              <a:rPr lang="pt-BR" sz="2800" dirty="0" smtClean="0">
-                <a:solidFill>
-                  <a:schemeClr val="tx1"/>
-                </a:solidFill>
-              </a:rPr>
-              <a:t>.</a:t>
-            </a:r>
-            <a:endParaRPr lang="pt-BR" sz="2800" dirty="0" smtClean="0">
-              <a:solidFill>
-                <a:schemeClr val="tx1"/>
-              </a:solidFill>
-            </a:endParaRPr>
+              <a:t>A comunidade do R é bem ativa e amigável.</a:t>
+            </a:r>
           </a:p>
           <a:p>
             <a:endParaRPr lang="pt-BR" sz="2800" u="sng" dirty="0">
@@ -10845,6 +10932,78 @@
           <a:chExt cx="0" cy="0"/>
         </a:xfrm>
       </p:grpSpPr>
+      <p:sp>
+        <p:nvSpPr>
+          <p:cNvPr id="2" name="Título 1"/>
+          <p:cNvSpPr>
+            <a:spLocks noGrp="1"/>
+          </p:cNvSpPr>
+          <p:nvPr>
+            <p:ph type="title"/>
+          </p:nvPr>
+        </p:nvSpPr>
+        <p:spPr/>
+        <p:txBody>
+          <a:bodyPr/>
+          <a:lstStyle/>
+          <a:p>
+            <a:r>
+              <a:rPr lang="pt-BR" dirty="0" smtClean="0"/>
+              <a:t>Gráficos</a:t>
+            </a:r>
+            <a:endParaRPr lang="pt-BR" dirty="0"/>
+          </a:p>
+        </p:txBody>
+      </p:sp>
+      <p:sp>
+        <p:nvSpPr>
+          <p:cNvPr id="3" name="Espaço Reservado para Texto 2"/>
+          <p:cNvSpPr>
+            <a:spLocks noGrp="1"/>
+          </p:cNvSpPr>
+          <p:nvPr>
+            <p:ph type="body" idx="1"/>
+          </p:nvPr>
+        </p:nvSpPr>
+        <p:spPr/>
+        <p:txBody>
+          <a:bodyPr/>
+          <a:lstStyle/>
+          <a:p>
+            <a:endParaRPr lang="pt-BR"/>
+          </a:p>
+        </p:txBody>
+      </p:sp>
+    </p:spTree>
+    <p:extLst>
+      <p:ext uri="{BB962C8B-B14F-4D97-AF65-F5344CB8AC3E}">
+        <p14:creationId xmlns:p14="http://schemas.microsoft.com/office/powerpoint/2010/main" val="2742332906"/>
+      </p:ext>
+    </p:extLst>
+  </p:cSld>
+  <p:clrMapOvr>
+    <a:masterClrMapping/>
+  </p:clrMapOvr>
+</p:sld>
+</file>
+
+<file path=ppt/slides/slide21.xml><?xml version="1.0" encoding="utf-8"?>
+<p:sld xmlns:a="http://schemas.openxmlformats.org/drawingml/2006/main" xmlns:r="http://schemas.openxmlformats.org/officeDocument/2006/relationships" xmlns:p="http://schemas.openxmlformats.org/presentationml/2006/main">
+  <p:cSld>
+    <p:spTree>
+      <p:nvGrpSpPr>
+        <p:cNvPr id="1" name=""/>
+        <p:cNvGrpSpPr/>
+        <p:nvPr/>
+      </p:nvGrpSpPr>
+      <p:grpSpPr>
+        <a:xfrm>
+          <a:off x="0" y="0"/>
+          <a:ext cx="0" cy="0"/>
+          <a:chOff x="0" y="0"/>
+          <a:chExt cx="0" cy="0"/>
+        </a:xfrm>
+      </p:grpSpPr>
       <p:pic>
         <p:nvPicPr>
           <p:cNvPr id="4" name="Espaço Reservado para Conteúdo 3"/>
@@ -10894,7 +11053,7 @@
 </p:sld>
 </file>
 
-<file path=ppt/slides/slide21.xml><?xml version="1.0" encoding="utf-8"?>
+<file path=ppt/slides/slide22.xml><?xml version="1.0" encoding="utf-8"?>
 <p:sld xmlns:a="http://schemas.openxmlformats.org/drawingml/2006/main" xmlns:r="http://schemas.openxmlformats.org/officeDocument/2006/relationships" xmlns:p="http://schemas.openxmlformats.org/presentationml/2006/main">
   <p:cSld>
     <p:spTree>
@@ -11037,6 +11196,207 @@
 </file>
 
 <file path=ppt/slides/slide3.xml><?xml version="1.0" encoding="utf-8"?>
+<p:sld xmlns:a="http://schemas.openxmlformats.org/drawingml/2006/main" xmlns:r="http://schemas.openxmlformats.org/officeDocument/2006/relationships" xmlns:p="http://schemas.openxmlformats.org/presentationml/2006/main">
+  <p:cSld>
+    <p:spTree>
+      <p:nvGrpSpPr>
+        <p:cNvPr id="1" name=""/>
+        <p:cNvGrpSpPr/>
+        <p:nvPr/>
+      </p:nvGrpSpPr>
+      <p:grpSpPr>
+        <a:xfrm>
+          <a:off x="0" y="0"/>
+          <a:ext cx="0" cy="0"/>
+          <a:chOff x="0" y="0"/>
+          <a:chExt cx="0" cy="0"/>
+        </a:xfrm>
+      </p:grpSpPr>
+      <p:sp>
+        <p:nvSpPr>
+          <p:cNvPr id="3" name="Espaço Reservado para Conteúdo 2"/>
+          <p:cNvSpPr>
+            <a:spLocks noGrp="1"/>
+          </p:cNvSpPr>
+          <p:nvPr>
+            <p:ph idx="1"/>
+          </p:nvPr>
+        </p:nvSpPr>
+        <p:spPr/>
+        <p:txBody>
+          <a:bodyPr>
+            <a:normAutofit lnSpcReduction="10000"/>
+          </a:bodyPr>
+          <a:lstStyle/>
+          <a:p>
+            <a:r>
+              <a:rPr lang="pt-BR" dirty="0" smtClean="0">
+                <a:hlinkClick r:id="rId2"/>
+              </a:rPr>
+              <a:t>https</a:t>
+            </a:r>
+            <a:r>
+              <a:rPr lang="pt-BR" dirty="0">
+                <a:hlinkClick r:id="rId2"/>
+              </a:rPr>
+              <a:t>://www.r-project.org</a:t>
+            </a:r>
+            <a:r>
+              <a:rPr lang="pt-BR" dirty="0" smtClean="0">
+                <a:hlinkClick r:id="rId2"/>
+              </a:rPr>
+              <a:t>/</a:t>
+            </a:r>
+            <a:endParaRPr lang="pt-BR" dirty="0" smtClean="0"/>
+          </a:p>
+          <a:p>
+            <a:endParaRPr lang="pt-BR" dirty="0" smtClean="0"/>
+          </a:p>
+          <a:p>
+            <a:r>
+              <a:rPr lang="pt-BR" dirty="0">
+                <a:hlinkClick r:id="rId3"/>
+              </a:rPr>
+              <a:t>https://www.r-bloggers.com</a:t>
+            </a:r>
+            <a:r>
+              <a:rPr lang="pt-BR" dirty="0" smtClean="0">
+                <a:hlinkClick r:id="rId3"/>
+              </a:rPr>
+              <a:t>/</a:t>
+            </a:r>
+            <a:endParaRPr lang="pt-BR" dirty="0" smtClean="0"/>
+          </a:p>
+          <a:p>
+            <a:endParaRPr lang="pt-BR" dirty="0" smtClean="0"/>
+          </a:p>
+          <a:p>
+            <a:r>
+              <a:rPr lang="pt-BR" dirty="0">
+                <a:hlinkClick r:id="rId4"/>
+              </a:rPr>
+              <a:t>https://rseek.org</a:t>
+            </a:r>
+            <a:r>
+              <a:rPr lang="pt-BR" dirty="0" smtClean="0">
+                <a:hlinkClick r:id="rId4"/>
+              </a:rPr>
+              <a:t>/</a:t>
+            </a:r>
+            <a:endParaRPr lang="pt-BR" dirty="0" smtClean="0"/>
+          </a:p>
+          <a:p>
+            <a:endParaRPr lang="pt-BR" dirty="0" smtClean="0"/>
+          </a:p>
+          <a:p>
+            <a:r>
+              <a:rPr lang="pt-BR" dirty="0">
+                <a:hlinkClick r:id="rId5"/>
+              </a:rPr>
+              <a:t>https://</a:t>
+            </a:r>
+            <a:r>
+              <a:rPr lang="pt-BR" dirty="0" smtClean="0">
+                <a:hlinkClick r:id="rId5"/>
+              </a:rPr>
+              <a:t>stackoverflow.com/questions/tagged/r</a:t>
+            </a:r>
+            <a:endParaRPr lang="pt-BR" dirty="0" smtClean="0"/>
+          </a:p>
+          <a:p>
+            <a:endParaRPr lang="pt-BR" dirty="0" smtClean="0"/>
+          </a:p>
+          <a:p>
+            <a:r>
+              <a:rPr lang="pt-BR" dirty="0">
+                <a:hlinkClick r:id="rId6"/>
+              </a:rPr>
+              <a:t>https://ridiculas.wordpress.com</a:t>
+            </a:r>
+            <a:r>
+              <a:rPr lang="pt-BR" dirty="0" smtClean="0">
+                <a:hlinkClick r:id="rId6"/>
+              </a:rPr>
+              <a:t>/</a:t>
+            </a:r>
+            <a:endParaRPr lang="pt-BR" dirty="0" smtClean="0"/>
+          </a:p>
+          <a:p>
+            <a:endParaRPr lang="pt-BR" dirty="0" smtClean="0"/>
+          </a:p>
+          <a:p>
+            <a:r>
+              <a:rPr lang="pt-BR" dirty="0">
+                <a:hlinkClick r:id="rId7"/>
+              </a:rPr>
+              <a:t>http://r-br.2285057.n4.nabble.com</a:t>
+            </a:r>
+            <a:r>
+              <a:rPr lang="pt-BR" dirty="0" smtClean="0">
+                <a:hlinkClick r:id="rId7"/>
+              </a:rPr>
+              <a:t>/</a:t>
+            </a:r>
+            <a:endParaRPr lang="pt-BR" dirty="0" smtClean="0"/>
+          </a:p>
+          <a:p>
+            <a:pPr marL="0" indent="0">
+              <a:buNone/>
+            </a:pPr>
+            <a:endParaRPr lang="pt-BR" dirty="0" smtClean="0"/>
+          </a:p>
+        </p:txBody>
+      </p:sp>
+      <p:sp>
+        <p:nvSpPr>
+          <p:cNvPr id="5" name="Título 1"/>
+          <p:cNvSpPr>
+            <a:spLocks noGrp="1"/>
+          </p:cNvSpPr>
+          <p:nvPr>
+            <p:ph type="title"/>
+          </p:nvPr>
+        </p:nvSpPr>
+        <p:spPr>
+          <a:xfrm>
+            <a:off x="431042" y="-457200"/>
+            <a:ext cx="8229600" cy="1600200"/>
+          </a:xfrm>
+        </p:spPr>
+        <p:txBody>
+          <a:bodyPr/>
+          <a:lstStyle/>
+          <a:p>
+            <a:r>
+              <a:rPr lang="pt-BR" dirty="0" smtClean="0">
+                <a:solidFill>
+                  <a:schemeClr val="tx1"/>
+                </a:solidFill>
+              </a:rPr>
+              <a:t>Links</a:t>
+            </a:r>
+            <a:endParaRPr lang="pt-BR" dirty="0">
+              <a:solidFill>
+                <a:schemeClr val="tx1"/>
+              </a:solidFill>
+            </a:endParaRPr>
+          </a:p>
+        </p:txBody>
+      </p:sp>
+    </p:spTree>
+    <p:extLst>
+      <p:ext uri="{BB962C8B-B14F-4D97-AF65-F5344CB8AC3E}">
+        <p14:creationId xmlns:p14="http://schemas.microsoft.com/office/powerpoint/2010/main" val="876910347"/>
+      </p:ext>
+    </p:extLst>
+  </p:cSld>
+  <p:clrMapOvr>
+    <a:masterClrMapping/>
+  </p:clrMapOvr>
+</p:sld>
+</file>
+
+<file path=ppt/slides/slide4.xml><?xml version="1.0" encoding="utf-8"?>
 <p:sld xmlns:a="http://schemas.openxmlformats.org/drawingml/2006/main" xmlns:r="http://schemas.openxmlformats.org/officeDocument/2006/relationships" xmlns:p="http://schemas.openxmlformats.org/presentationml/2006/main">
   <p:cSld>
     <p:spTree>
@@ -11768,7 +12128,7 @@
 </p:sld>
 </file>
 
-<file path=ppt/slides/slide4.xml><?xml version="1.0" encoding="utf-8"?>
+<file path=ppt/slides/slide5.xml><?xml version="1.0" encoding="utf-8"?>
 <p:sld xmlns:a="http://schemas.openxmlformats.org/drawingml/2006/main" xmlns:r="http://schemas.openxmlformats.org/officeDocument/2006/relationships" xmlns:p="http://schemas.openxmlformats.org/presentationml/2006/main">
   <p:cSld>
     <p:spTree>
@@ -11834,7 +12194,6 @@
               <a:rPr lang="pt-BR" sz="4000" dirty="0" smtClean="0"/>
               <a:t>Script (ou rotina)</a:t>
             </a:r>
-            <a:endParaRPr lang="pt-BR" sz="4000" dirty="0" smtClean="0"/>
           </a:p>
           <a:p>
             <a:r>
@@ -11933,7 +12292,7 @@
 </p:sld>
 </file>
 
-<file path=ppt/slides/slide5.xml><?xml version="1.0" encoding="utf-8"?>
+<file path=ppt/slides/slide6.xml><?xml version="1.0" encoding="utf-8"?>
 <p:sld xmlns:a="http://schemas.openxmlformats.org/drawingml/2006/main" xmlns:r="http://schemas.openxmlformats.org/officeDocument/2006/relationships" xmlns:p="http://schemas.openxmlformats.org/presentationml/2006/main">
   <p:cSld>
     <p:spTree>
@@ -13402,7 +13761,7 @@
 </p:sld>
 </file>
 
-<file path=ppt/slides/slide6.xml><?xml version="1.0" encoding="utf-8"?>
+<file path=ppt/slides/slide7.xml><?xml version="1.0" encoding="utf-8"?>
 <p:sld xmlns:a="http://schemas.openxmlformats.org/drawingml/2006/main" xmlns:r="http://schemas.openxmlformats.org/officeDocument/2006/relationships" xmlns:p="http://schemas.openxmlformats.org/presentationml/2006/main">
   <p:cSld>
     <p:spTree>
@@ -13499,7 +13858,7 @@
 </p:sld>
 </file>
 
-<file path=ppt/slides/slide7.xml><?xml version="1.0" encoding="utf-8"?>
+<file path=ppt/slides/slide8.xml><?xml version="1.0" encoding="utf-8"?>
 <p:sld xmlns:a="http://schemas.openxmlformats.org/drawingml/2006/main" xmlns:r="http://schemas.openxmlformats.org/officeDocument/2006/relationships" xmlns:p="http://schemas.openxmlformats.org/presentationml/2006/main">
   <p:cSld>
     <p:spTree>
@@ -13608,7 +13967,7 @@
 </p:sld>
 </file>
 
-<file path=ppt/slides/slide8.xml><?xml version="1.0" encoding="utf-8"?>
+<file path=ppt/slides/slide9.xml><?xml version="1.0" encoding="utf-8"?>
 <p:sld xmlns:a="http://schemas.openxmlformats.org/drawingml/2006/main" xmlns:r="http://schemas.openxmlformats.org/officeDocument/2006/relationships" xmlns:p="http://schemas.openxmlformats.org/presentationml/2006/main">
   <p:cSld>
     <p:spTree>
@@ -13678,499 +14037,6 @@
   <p:clrMapOvr>
     <a:masterClrMapping/>
   </p:clrMapOvr>
-</p:sld>
-</file>
-
-<file path=ppt/slides/slide9.xml><?xml version="1.0" encoding="utf-8"?>
-<p:sld xmlns:a="http://schemas.openxmlformats.org/drawingml/2006/main" xmlns:r="http://schemas.openxmlformats.org/officeDocument/2006/relationships" xmlns:p="http://schemas.openxmlformats.org/presentationml/2006/main">
-  <p:cSld>
-    <p:spTree>
-      <p:nvGrpSpPr>
-        <p:cNvPr id="1" name=""/>
-        <p:cNvGrpSpPr/>
-        <p:nvPr/>
-      </p:nvGrpSpPr>
-      <p:grpSpPr>
-        <a:xfrm>
-          <a:off x="0" y="0"/>
-          <a:ext cx="0" cy="0"/>
-          <a:chOff x="0" y="0"/>
-          <a:chExt cx="0" cy="0"/>
-        </a:xfrm>
-      </p:grpSpPr>
-      <p:sp>
-        <p:nvSpPr>
-          <p:cNvPr id="2" name="Título 1"/>
-          <p:cNvSpPr>
-            <a:spLocks noGrp="1"/>
-          </p:cNvSpPr>
-          <p:nvPr>
-            <p:ph type="title"/>
-          </p:nvPr>
-        </p:nvSpPr>
-        <p:spPr>
-          <a:xfrm>
-            <a:off x="457200" y="714356"/>
-            <a:ext cx="8229600" cy="1066800"/>
-          </a:xfrm>
-        </p:spPr>
-        <p:txBody>
-          <a:bodyPr/>
-          <a:lstStyle/>
-          <a:p>
-            <a:r>
-              <a:rPr lang="pt-BR" dirty="0" smtClean="0"/>
-              <a:t>HELP</a:t>
-            </a:r>
-            <a:endParaRPr lang="pt-BR" dirty="0"/>
-          </a:p>
-        </p:txBody>
-      </p:sp>
-      <p:sp>
-        <p:nvSpPr>
-          <p:cNvPr id="3" name="Espaço Reservado para Conteúdo 2"/>
-          <p:cNvSpPr>
-            <a:spLocks noGrp="1"/>
-          </p:cNvSpPr>
-          <p:nvPr>
-            <p:ph idx="1"/>
-          </p:nvPr>
-        </p:nvSpPr>
-        <p:spPr/>
-        <p:txBody>
-          <a:bodyPr>
-            <a:normAutofit/>
-          </a:bodyPr>
-          <a:lstStyle/>
-          <a:p>
-            <a:pPr marL="457200" lvl="1" indent="0">
-              <a:buNone/>
-            </a:pPr>
-            <a:endParaRPr lang="pt-BR" dirty="0" smtClean="0"/>
-          </a:p>
-          <a:p>
-            <a:pPr marL="457200" lvl="1" indent="0">
-              <a:buNone/>
-            </a:pPr>
-            <a:endParaRPr lang="pt-BR" dirty="0"/>
-          </a:p>
-          <a:p>
-            <a:pPr marL="457200" lvl="1" indent="0">
-              <a:buNone/>
-            </a:pPr>
-            <a:endParaRPr lang="pt-BR" dirty="0" smtClean="0"/>
-          </a:p>
-          <a:p>
-            <a:pPr marL="457200" lvl="1" indent="0">
-              <a:buNone/>
-            </a:pPr>
-            <a:endParaRPr lang="pt-BR" dirty="0">
-              <a:solidFill>
-                <a:schemeClr val="accent3">
-                  <a:lumMod val="50000"/>
-                </a:schemeClr>
-              </a:solidFill>
-            </a:endParaRPr>
-          </a:p>
-        </p:txBody>
-      </p:sp>
-      <p:sp>
-        <p:nvSpPr>
-          <p:cNvPr id="14" name="Espaço Reservado para Conteúdo 2"/>
-          <p:cNvSpPr txBox="1">
-            <a:spLocks/>
-          </p:cNvSpPr>
-          <p:nvPr/>
-        </p:nvSpPr>
-        <p:spPr>
-          <a:xfrm>
-            <a:off x="609600" y="1752600"/>
-            <a:ext cx="8229600" cy="4525963"/>
-          </a:xfrm>
-          <a:prstGeom prst="rect">
-            <a:avLst/>
-          </a:prstGeom>
-        </p:spPr>
-        <p:txBody>
-          <a:bodyPr vert="horz" lIns="91440" tIns="45720" rIns="91440" bIns="45720" rtlCol="0">
-            <a:normAutofit fontScale="77500" lnSpcReduction="20000"/>
-          </a:bodyPr>
-          <a:lstStyle>
-            <a:lvl1pPr marL="342900" indent="-342900" algn="l" defTabSz="914400" rtl="0" eaLnBrk="1" latinLnBrk="0" hangingPunct="1">
-              <a:spcBef>
-                <a:spcPct val="20000"/>
-              </a:spcBef>
-              <a:buFont typeface="Arial" pitchFamily="34" charset="0"/>
-              <a:buChar char="•"/>
-              <a:defRPr sz="3200" kern="1200">
-                <a:solidFill>
-                  <a:schemeClr val="tx1"/>
-                </a:solidFill>
-                <a:latin typeface="+mn-lt"/>
-                <a:ea typeface="+mn-ea"/>
-                <a:cs typeface="+mn-cs"/>
-              </a:defRPr>
-            </a:lvl1pPr>
-            <a:lvl2pPr marL="742950" indent="-285750" algn="l" defTabSz="914400" rtl="0" eaLnBrk="1" latinLnBrk="0" hangingPunct="1">
-              <a:spcBef>
-                <a:spcPct val="20000"/>
-              </a:spcBef>
-              <a:buFont typeface="Arial" pitchFamily="34" charset="0"/>
-              <a:buChar char="–"/>
-              <a:defRPr sz="2800" kern="1200">
-                <a:solidFill>
-                  <a:schemeClr val="tx1"/>
-                </a:solidFill>
-                <a:latin typeface="+mn-lt"/>
-                <a:ea typeface="+mn-ea"/>
-                <a:cs typeface="+mn-cs"/>
-              </a:defRPr>
-            </a:lvl2pPr>
-            <a:lvl3pPr marL="1143000" indent="-228600" algn="l" defTabSz="914400" rtl="0" eaLnBrk="1" latinLnBrk="0" hangingPunct="1">
-              <a:spcBef>
-                <a:spcPct val="20000"/>
-              </a:spcBef>
-              <a:buFont typeface="Arial" pitchFamily="34" charset="0"/>
-              <a:buChar char="•"/>
-              <a:defRPr sz="2400" kern="1200">
-                <a:solidFill>
-                  <a:schemeClr val="tx1"/>
-                </a:solidFill>
-                <a:latin typeface="+mn-lt"/>
-                <a:ea typeface="+mn-ea"/>
-                <a:cs typeface="+mn-cs"/>
-              </a:defRPr>
-            </a:lvl3pPr>
-            <a:lvl4pPr marL="1600200" indent="-228600" algn="l" defTabSz="914400" rtl="0" eaLnBrk="1" latinLnBrk="0" hangingPunct="1">
-              <a:spcBef>
-                <a:spcPct val="20000"/>
-              </a:spcBef>
-              <a:buFont typeface="Arial" pitchFamily="34" charset="0"/>
-              <a:buChar char="–"/>
-              <a:defRPr sz="2000" kern="1200">
-                <a:solidFill>
-                  <a:schemeClr val="tx1"/>
-                </a:solidFill>
-                <a:latin typeface="+mn-lt"/>
-                <a:ea typeface="+mn-ea"/>
-                <a:cs typeface="+mn-cs"/>
-              </a:defRPr>
-            </a:lvl4pPr>
-            <a:lvl5pPr marL="2057400" indent="-228600" algn="l" defTabSz="914400" rtl="0" eaLnBrk="1" latinLnBrk="0" hangingPunct="1">
-              <a:spcBef>
-                <a:spcPct val="20000"/>
-              </a:spcBef>
-              <a:buFont typeface="Arial" pitchFamily="34" charset="0"/>
-              <a:buChar char="»"/>
-              <a:defRPr sz="2000" kern="1200">
-                <a:solidFill>
-                  <a:schemeClr val="tx1"/>
-                </a:solidFill>
-                <a:latin typeface="+mn-lt"/>
-                <a:ea typeface="+mn-ea"/>
-                <a:cs typeface="+mn-cs"/>
-              </a:defRPr>
-            </a:lvl5pPr>
-            <a:lvl6pPr marL="2514600" indent="-228600" algn="l" defTabSz="914400" rtl="0" eaLnBrk="1" latinLnBrk="0" hangingPunct="1">
-              <a:spcBef>
-                <a:spcPct val="20000"/>
-              </a:spcBef>
-              <a:buFont typeface="Arial" pitchFamily="34" charset="0"/>
-              <a:buChar char="•"/>
-              <a:defRPr sz="2000" kern="1200">
-                <a:solidFill>
-                  <a:schemeClr val="tx1"/>
-                </a:solidFill>
-                <a:latin typeface="+mn-lt"/>
-                <a:ea typeface="+mn-ea"/>
-                <a:cs typeface="+mn-cs"/>
-              </a:defRPr>
-            </a:lvl6pPr>
-            <a:lvl7pPr marL="2971800" indent="-228600" algn="l" defTabSz="914400" rtl="0" eaLnBrk="1" latinLnBrk="0" hangingPunct="1">
-              <a:spcBef>
-                <a:spcPct val="20000"/>
-              </a:spcBef>
-              <a:buFont typeface="Arial" pitchFamily="34" charset="0"/>
-              <a:buChar char="•"/>
-              <a:defRPr sz="2000" kern="1200">
-                <a:solidFill>
-                  <a:schemeClr val="tx1"/>
-                </a:solidFill>
-                <a:latin typeface="+mn-lt"/>
-                <a:ea typeface="+mn-ea"/>
-                <a:cs typeface="+mn-cs"/>
-              </a:defRPr>
-            </a:lvl7pPr>
-            <a:lvl8pPr marL="3429000" indent="-228600" algn="l" defTabSz="914400" rtl="0" eaLnBrk="1" latinLnBrk="0" hangingPunct="1">
-              <a:spcBef>
-                <a:spcPct val="20000"/>
-              </a:spcBef>
-              <a:buFont typeface="Arial" pitchFamily="34" charset="0"/>
-              <a:buChar char="•"/>
-              <a:defRPr sz="2000" kern="1200">
-                <a:solidFill>
-                  <a:schemeClr val="tx1"/>
-                </a:solidFill>
-                <a:latin typeface="+mn-lt"/>
-                <a:ea typeface="+mn-ea"/>
-                <a:cs typeface="+mn-cs"/>
-              </a:defRPr>
-            </a:lvl8pPr>
-            <a:lvl9pPr marL="3886200" indent="-228600" algn="l" defTabSz="914400" rtl="0" eaLnBrk="1" latinLnBrk="0" hangingPunct="1">
-              <a:spcBef>
-                <a:spcPct val="20000"/>
-              </a:spcBef>
-              <a:buFont typeface="Arial" pitchFamily="34" charset="0"/>
-              <a:buChar char="•"/>
-              <a:defRPr sz="2000" kern="1200">
-                <a:solidFill>
-                  <a:schemeClr val="tx1"/>
-                </a:solidFill>
-                <a:latin typeface="+mn-lt"/>
-                <a:ea typeface="+mn-ea"/>
-                <a:cs typeface="+mn-cs"/>
-              </a:defRPr>
-            </a:lvl9pPr>
-          </a:lstStyle>
-          <a:p>
-            <a:r>
-              <a:rPr lang="pt-BR" dirty="0" smtClean="0"/>
-              <a:t>Pedindo ajuda:</a:t>
-            </a:r>
-          </a:p>
-          <a:p>
-            <a:pPr marL="457200" lvl="1" indent="0">
-              <a:buNone/>
-            </a:pPr>
-            <a:r>
-              <a:rPr lang="pt-BR" dirty="0" smtClean="0"/>
-              <a:t>?</a:t>
-            </a:r>
-            <a:r>
-              <a:rPr lang="pt-BR" dirty="0" err="1" smtClean="0"/>
-              <a:t>sample</a:t>
-            </a:r>
-            <a:endParaRPr lang="pt-BR" dirty="0" smtClean="0"/>
-          </a:p>
-          <a:p>
-            <a:pPr marL="457200" lvl="1" indent="0">
-              <a:buNone/>
-            </a:pPr>
-            <a:r>
-              <a:rPr lang="pt-BR" dirty="0" smtClean="0"/>
-              <a:t>??</a:t>
-            </a:r>
-            <a:r>
-              <a:rPr lang="pt-BR" dirty="0" err="1" smtClean="0"/>
-              <a:t>sample</a:t>
-            </a:r>
-            <a:endParaRPr lang="pt-BR" dirty="0" smtClean="0"/>
-          </a:p>
-          <a:p>
-            <a:pPr marL="457200" lvl="1" indent="0">
-              <a:buNone/>
-            </a:pPr>
-            <a:r>
-              <a:rPr lang="pt-BR" dirty="0" err="1" smtClean="0"/>
-              <a:t>help.search</a:t>
-            </a:r>
-            <a:r>
-              <a:rPr lang="pt-BR" dirty="0" smtClean="0"/>
-              <a:t>(</a:t>
-            </a:r>
-            <a:r>
-              <a:rPr lang="pt-BR" dirty="0" err="1" smtClean="0"/>
-              <a:t>sample</a:t>
-            </a:r>
-            <a:r>
-              <a:rPr lang="pt-BR" dirty="0" smtClean="0"/>
-              <a:t>)</a:t>
-            </a:r>
-          </a:p>
-          <a:p>
-            <a:pPr marL="457200" lvl="1" indent="0">
-              <a:buNone/>
-            </a:pPr>
-            <a:r>
-              <a:rPr lang="pt-BR" dirty="0" smtClean="0"/>
-              <a:t>help(</a:t>
-            </a:r>
-            <a:r>
-              <a:rPr lang="pt-BR" dirty="0" err="1" smtClean="0"/>
-              <a:t>sample</a:t>
-            </a:r>
-            <a:r>
-              <a:rPr lang="pt-BR" dirty="0" smtClean="0"/>
-              <a:t>)</a:t>
-            </a:r>
-          </a:p>
-          <a:p>
-            <a:pPr marL="457200" lvl="1" indent="0">
-              <a:buNone/>
-            </a:pPr>
-            <a:r>
-              <a:rPr lang="pt-BR" dirty="0" err="1" smtClean="0"/>
-              <a:t>Install.packages</a:t>
-            </a:r>
-            <a:r>
-              <a:rPr lang="pt-BR" dirty="0" smtClean="0"/>
-              <a:t>(“</a:t>
-            </a:r>
-            <a:r>
-              <a:rPr lang="pt-BR" dirty="0" err="1" smtClean="0"/>
-              <a:t>sos</a:t>
-            </a:r>
-            <a:r>
-              <a:rPr lang="pt-BR" dirty="0" smtClean="0"/>
-              <a:t>”)</a:t>
-            </a:r>
-          </a:p>
-          <a:p>
-            <a:pPr marL="457200" lvl="1" indent="0">
-              <a:buNone/>
-            </a:pPr>
-            <a:r>
-              <a:rPr lang="pt-BR" dirty="0" err="1"/>
-              <a:t>library</a:t>
-            </a:r>
-            <a:r>
-              <a:rPr lang="pt-BR" dirty="0"/>
-              <a:t>(</a:t>
-            </a:r>
-            <a:r>
-              <a:rPr lang="pt-BR" dirty="0" err="1"/>
-              <a:t>sos</a:t>
-            </a:r>
-            <a:r>
-              <a:rPr lang="pt-BR" dirty="0"/>
-              <a:t>)</a:t>
-            </a:r>
-          </a:p>
-          <a:p>
-            <a:pPr marL="457200" lvl="1" indent="0">
-              <a:buNone/>
-            </a:pPr>
-            <a:r>
-              <a:rPr lang="pt-BR" dirty="0" smtClean="0"/>
-              <a:t>???"</a:t>
-            </a:r>
-            <a:r>
-              <a:rPr lang="pt-BR" dirty="0" err="1"/>
-              <a:t>mean</a:t>
-            </a:r>
-            <a:r>
-              <a:rPr lang="pt-BR" dirty="0"/>
-              <a:t> </a:t>
-            </a:r>
-            <a:r>
-              <a:rPr lang="pt-BR" dirty="0" err="1"/>
-              <a:t>adjust</a:t>
-            </a:r>
-            <a:r>
-              <a:rPr lang="pt-BR" dirty="0"/>
-              <a:t>"</a:t>
-            </a:r>
-          </a:p>
-          <a:p>
-            <a:pPr marL="457200" lvl="1" indent="0">
-              <a:buNone/>
-            </a:pPr>
-            <a:r>
-              <a:rPr lang="pt-BR" dirty="0" err="1" smtClean="0"/>
-              <a:t>remove.packages</a:t>
-            </a:r>
-            <a:r>
-              <a:rPr lang="pt-BR" dirty="0"/>
-              <a:t>("</a:t>
-            </a:r>
-            <a:r>
-              <a:rPr lang="pt-BR" dirty="0" err="1" smtClean="0"/>
-              <a:t>robust</a:t>
-            </a:r>
-            <a:r>
-              <a:rPr lang="pt-BR" dirty="0" smtClean="0"/>
-              <a:t>")</a:t>
-            </a:r>
-            <a:endParaRPr lang="pt-BR" dirty="0"/>
-          </a:p>
-          <a:p>
-            <a:pPr marL="457200" lvl="1" indent="0">
-              <a:buNone/>
-            </a:pPr>
-            <a:endParaRPr lang="pt-BR" dirty="0" smtClean="0"/>
-          </a:p>
-          <a:p>
-            <a:pPr marL="514350" indent="-457200"/>
-            <a:r>
-              <a:rPr lang="pt-BR" dirty="0" smtClean="0"/>
-              <a:t>Outras funções:</a:t>
-            </a:r>
-          </a:p>
-          <a:p>
-            <a:pPr marL="57150" indent="0">
-              <a:buNone/>
-            </a:pPr>
-            <a:r>
-              <a:rPr lang="pt-BR" dirty="0" smtClean="0"/>
-              <a:t>	</a:t>
-            </a:r>
-            <a:r>
-              <a:rPr lang="pt-BR" dirty="0" err="1" smtClean="0"/>
-              <a:t>seq</a:t>
-            </a:r>
-            <a:r>
-              <a:rPr lang="pt-BR" dirty="0" smtClean="0"/>
-              <a:t>(), </a:t>
-            </a:r>
-            <a:r>
-              <a:rPr lang="pt-BR" dirty="0" err="1" smtClean="0"/>
-              <a:t>mean</a:t>
-            </a:r>
-            <a:r>
-              <a:rPr lang="pt-BR" dirty="0" smtClean="0"/>
-              <a:t>(), sum(), </a:t>
-            </a:r>
-            <a:r>
-              <a:rPr lang="pt-BR" dirty="0" err="1" smtClean="0"/>
-              <a:t>sd</a:t>
-            </a:r>
-            <a:r>
-              <a:rPr lang="pt-BR" dirty="0" smtClean="0"/>
-              <a:t>(),rep(), paste()</a:t>
-            </a:r>
-          </a:p>
-          <a:p>
-            <a:pPr marL="457200" lvl="1" indent="0">
-              <a:buFont typeface="Arial" pitchFamily="34" charset="0"/>
-              <a:buNone/>
-            </a:pPr>
-            <a:endParaRPr lang="pt-BR" dirty="0">
-              <a:solidFill>
-                <a:schemeClr val="accent3">
-                  <a:lumMod val="50000"/>
-                </a:schemeClr>
-              </a:solidFill>
-            </a:endParaRPr>
-          </a:p>
-        </p:txBody>
-      </p:sp>
-    </p:spTree>
-    <p:extLst>
-      <p:ext uri="{BB962C8B-B14F-4D97-AF65-F5344CB8AC3E}">
-        <p14:creationId xmlns:p14="http://schemas.microsoft.com/office/powerpoint/2010/main" val="1932318607"/>
-      </p:ext>
-    </p:extLst>
-  </p:cSld>
-  <p:clrMapOvr>
-    <a:masterClrMapping/>
-  </p:clrMapOvr>
-  <p:timing>
-    <p:tnLst>
-      <p:par>
-        <p:cTn id="1" dur="indefinite" restart="never" nodeType="tmRoot"/>
-      </p:par>
-    </p:tnLst>
-  </p:timing>
 </p:sld>
 </file>
 

--- a/Introdução ao R.pptx
+++ b/Introdução ao R.pptx
@@ -229,7 +229,7 @@
           <a:p>
             <a:fld id="{086ADF04-8B8C-4B1A-8906-EE89AE299368}" type="datetimeFigureOut">
               <a:rPr lang="en-US" smtClean="0"/>
-              <a:t>1/4/2019</a:t>
+              <a:t>1/9/2019</a:t>
             </a:fld>
             <a:endParaRPr lang="en-US"/>
           </a:p>
@@ -1198,7 +1198,7 @@
           <a:p>
             <a:fld id="{60B9C777-5F09-46E1-8868-4B013600B6B5}" type="datetimeFigureOut">
               <a:rPr lang="en-US" smtClean="0"/>
-              <a:t>1/4/2019</a:t>
+              <a:t>1/9/2019</a:t>
             </a:fld>
             <a:endParaRPr lang="en-US"/>
           </a:p>
@@ -1363,7 +1363,7 @@
           <a:p>
             <a:fld id="{60B9C777-5F09-46E1-8868-4B013600B6B5}" type="datetimeFigureOut">
               <a:rPr lang="en-US" smtClean="0"/>
-              <a:t>1/4/2019</a:t>
+              <a:t>1/9/2019</a:t>
             </a:fld>
             <a:endParaRPr lang="en-US"/>
           </a:p>
@@ -1538,7 +1538,7 @@
           <a:p>
             <a:fld id="{60B9C777-5F09-46E1-8868-4B013600B6B5}" type="datetimeFigureOut">
               <a:rPr lang="en-US" smtClean="0"/>
-              <a:t>1/4/2019</a:t>
+              <a:t>1/9/2019</a:t>
             </a:fld>
             <a:endParaRPr lang="en-US"/>
           </a:p>
@@ -1721,7 +1721,7 @@
           <a:p>
             <a:fld id="{60B9C777-5F09-46E1-8868-4B013600B6B5}" type="datetimeFigureOut">
               <a:rPr lang="en-US" smtClean="0"/>
-              <a:t>1/4/2019</a:t>
+              <a:t>1/9/2019</a:t>
             </a:fld>
             <a:endParaRPr lang="en-US"/>
           </a:p>
@@ -1983,7 +1983,7 @@
           <a:p>
             <a:fld id="{60B9C777-5F09-46E1-8868-4B013600B6B5}" type="datetimeFigureOut">
               <a:rPr lang="en-US" smtClean="0"/>
-              <a:t>1/4/2019</a:t>
+              <a:t>1/9/2019</a:t>
             </a:fld>
             <a:endParaRPr lang="en-US"/>
           </a:p>
@@ -2331,7 +2331,7 @@
           <a:p>
             <a:fld id="{60B9C777-5F09-46E1-8868-4B013600B6B5}" type="datetimeFigureOut">
               <a:rPr lang="en-US" smtClean="0"/>
-              <a:t>1/4/2019</a:t>
+              <a:t>1/9/2019</a:t>
             </a:fld>
             <a:endParaRPr lang="en-US"/>
           </a:p>
@@ -2639,7 +2639,7 @@
           <a:p>
             <a:fld id="{60B9C777-5F09-46E1-8868-4B013600B6B5}" type="datetimeFigureOut">
               <a:rPr lang="en-US" smtClean="0"/>
-              <a:t>1/4/2019</a:t>
+              <a:t>1/9/2019</a:t>
             </a:fld>
             <a:endParaRPr lang="en-US"/>
           </a:p>
@@ -2866,7 +2866,7 @@
           <a:p>
             <a:fld id="{60B9C777-5F09-46E1-8868-4B013600B6B5}" type="datetimeFigureOut">
               <a:rPr lang="en-US" smtClean="0"/>
-              <a:t>1/4/2019</a:t>
+              <a:t>1/9/2019</a:t>
             </a:fld>
             <a:endParaRPr lang="en-US"/>
           </a:p>
@@ -2956,7 +2956,7 @@
           <a:p>
             <a:fld id="{60B9C777-5F09-46E1-8868-4B013600B6B5}" type="datetimeFigureOut">
               <a:rPr lang="en-US" smtClean="0"/>
-              <a:t>1/4/2019</a:t>
+              <a:t>1/9/2019</a:t>
             </a:fld>
             <a:endParaRPr lang="en-US"/>
           </a:p>
@@ -3244,7 +3244,7 @@
           <a:p>
             <a:fld id="{60B9C777-5F09-46E1-8868-4B013600B6B5}" type="datetimeFigureOut">
               <a:rPr lang="en-US" smtClean="0"/>
-              <a:t>1/4/2019</a:t>
+              <a:t>1/9/2019</a:t>
             </a:fld>
             <a:endParaRPr lang="en-US"/>
           </a:p>
@@ -3513,7 +3513,7 @@
           <a:p>
             <a:fld id="{60B9C777-5F09-46E1-8868-4B013600B6B5}" type="datetimeFigureOut">
               <a:rPr lang="en-US" smtClean="0"/>
-              <a:t>1/4/2019</a:t>
+              <a:t>1/9/2019</a:t>
             </a:fld>
             <a:endParaRPr lang="en-US"/>
           </a:p>
@@ -3723,7 +3723,7 @@
           <a:p>
             <a:fld id="{60B9C777-5F09-46E1-8868-4B013600B6B5}" type="datetimeFigureOut">
               <a:rPr lang="en-US" smtClean="0"/>
-              <a:t>1/4/2019</a:t>
+              <a:t>1/9/2019</a:t>
             </a:fld>
             <a:endParaRPr lang="en-US"/>
           </a:p>
@@ -4309,6 +4309,211 @@
           </a:p>
         </p:txBody>
       </p:sp>
+      <p:sp>
+        <p:nvSpPr>
+          <p:cNvPr id="3" name="CaixaDeTexto 3"/>
+          <p:cNvSpPr txBox="1"/>
+          <p:nvPr/>
+        </p:nvSpPr>
+        <p:spPr>
+          <a:xfrm>
+            <a:off x="2051720" y="4399002"/>
+            <a:ext cx="5040560" cy="553998"/>
+          </a:xfrm>
+          <a:prstGeom prst="rect">
+            <a:avLst/>
+          </a:prstGeom>
+          <a:noFill/>
+        </p:spPr>
+        <p:txBody>
+          <a:bodyPr wrap="square" rtlCol="0">
+            <a:spAutoFit/>
+          </a:bodyPr>
+          <a:lstStyle>
+            <a:defPPr>
+              <a:defRPr lang="pt-BR"/>
+            </a:defPPr>
+            <a:lvl1pPr marL="0" algn="l" defTabSz="914400" rtl="0" eaLnBrk="1" latinLnBrk="0" hangingPunct="1">
+              <a:defRPr sz="1800" kern="1200">
+                <a:solidFill>
+                  <a:schemeClr val="tx1"/>
+                </a:solidFill>
+                <a:latin typeface="+mn-lt"/>
+                <a:ea typeface="+mn-ea"/>
+                <a:cs typeface="+mn-cs"/>
+              </a:defRPr>
+            </a:lvl1pPr>
+            <a:lvl2pPr marL="457200" algn="l" defTabSz="914400" rtl="0" eaLnBrk="1" latinLnBrk="0" hangingPunct="1">
+              <a:defRPr sz="1800" kern="1200">
+                <a:solidFill>
+                  <a:schemeClr val="tx1"/>
+                </a:solidFill>
+                <a:latin typeface="+mn-lt"/>
+                <a:ea typeface="+mn-ea"/>
+                <a:cs typeface="+mn-cs"/>
+              </a:defRPr>
+            </a:lvl2pPr>
+            <a:lvl3pPr marL="914400" algn="l" defTabSz="914400" rtl="0" eaLnBrk="1" latinLnBrk="0" hangingPunct="1">
+              <a:defRPr sz="1800" kern="1200">
+                <a:solidFill>
+                  <a:schemeClr val="tx1"/>
+                </a:solidFill>
+                <a:latin typeface="+mn-lt"/>
+                <a:ea typeface="+mn-ea"/>
+                <a:cs typeface="+mn-cs"/>
+              </a:defRPr>
+            </a:lvl3pPr>
+            <a:lvl4pPr marL="1371600" algn="l" defTabSz="914400" rtl="0" eaLnBrk="1" latinLnBrk="0" hangingPunct="1">
+              <a:defRPr sz="1800" kern="1200">
+                <a:solidFill>
+                  <a:schemeClr val="tx1"/>
+                </a:solidFill>
+                <a:latin typeface="+mn-lt"/>
+                <a:ea typeface="+mn-ea"/>
+                <a:cs typeface="+mn-cs"/>
+              </a:defRPr>
+            </a:lvl4pPr>
+            <a:lvl5pPr marL="1828800" algn="l" defTabSz="914400" rtl="0" eaLnBrk="1" latinLnBrk="0" hangingPunct="1">
+              <a:defRPr sz="1800" kern="1200">
+                <a:solidFill>
+                  <a:schemeClr val="tx1"/>
+                </a:solidFill>
+                <a:latin typeface="+mn-lt"/>
+                <a:ea typeface="+mn-ea"/>
+                <a:cs typeface="+mn-cs"/>
+              </a:defRPr>
+            </a:lvl5pPr>
+            <a:lvl6pPr marL="2286000" algn="l" defTabSz="914400" rtl="0" eaLnBrk="1" latinLnBrk="0" hangingPunct="1">
+              <a:defRPr sz="1800" kern="1200">
+                <a:solidFill>
+                  <a:schemeClr val="tx1"/>
+                </a:solidFill>
+                <a:latin typeface="+mn-lt"/>
+                <a:ea typeface="+mn-ea"/>
+                <a:cs typeface="+mn-cs"/>
+              </a:defRPr>
+            </a:lvl6pPr>
+            <a:lvl7pPr marL="2743200" algn="l" defTabSz="914400" rtl="0" eaLnBrk="1" latinLnBrk="0" hangingPunct="1">
+              <a:defRPr sz="1800" kern="1200">
+                <a:solidFill>
+                  <a:schemeClr val="tx1"/>
+                </a:solidFill>
+                <a:latin typeface="+mn-lt"/>
+                <a:ea typeface="+mn-ea"/>
+                <a:cs typeface="+mn-cs"/>
+              </a:defRPr>
+            </a:lvl7pPr>
+            <a:lvl8pPr marL="3200400" algn="l" defTabSz="914400" rtl="0" eaLnBrk="1" latinLnBrk="0" hangingPunct="1">
+              <a:defRPr sz="1800" kern="1200">
+                <a:solidFill>
+                  <a:schemeClr val="tx1"/>
+                </a:solidFill>
+                <a:latin typeface="+mn-lt"/>
+                <a:ea typeface="+mn-ea"/>
+                <a:cs typeface="+mn-cs"/>
+              </a:defRPr>
+            </a:lvl8pPr>
+            <a:lvl9pPr marL="3657600" algn="l" defTabSz="914400" rtl="0" eaLnBrk="1" latinLnBrk="0" hangingPunct="1">
+              <a:defRPr sz="1800" kern="1200">
+                <a:solidFill>
+                  <a:schemeClr val="tx1"/>
+                </a:solidFill>
+                <a:latin typeface="+mn-lt"/>
+                <a:ea typeface="+mn-ea"/>
+                <a:cs typeface="+mn-cs"/>
+              </a:defRPr>
+            </a:lvl9pPr>
+          </a:lstStyle>
+          <a:p>
+            <a:pPr algn="ctr"/>
+            <a:r>
+              <a:rPr lang="pt-BR" sz="3000" dirty="0" smtClean="0">
+                <a:hlinkClick r:id="rId2"/>
+              </a:rPr>
+              <a:t>https</a:t>
+            </a:r>
+            <a:r>
+              <a:rPr lang="pt-BR" sz="3000" dirty="0">
+                <a:hlinkClick r:id="rId2"/>
+              </a:rPr>
+              <a:t>://</a:t>
+            </a:r>
+            <a:r>
+              <a:rPr lang="pt-BR" sz="3000" dirty="0" smtClean="0">
+                <a:hlinkClick r:id="rId2"/>
+              </a:rPr>
+              <a:t>bit.ly/2VCtqGk</a:t>
+            </a:r>
+            <a:endParaRPr lang="pt-BR" sz="3000" dirty="0"/>
+          </a:p>
+        </p:txBody>
+      </p:sp>
+      <p:sp>
+        <p:nvSpPr>
+          <p:cNvPr id="4" name="Subtítulo 2"/>
+          <p:cNvSpPr>
+            <a:spLocks noGrp="1"/>
+          </p:cNvSpPr>
+          <p:nvPr>
+            <p:ph type="subTitle" idx="1"/>
+          </p:nvPr>
+        </p:nvSpPr>
+        <p:spPr>
+          <a:xfrm>
+            <a:off x="1907704" y="5542384"/>
+            <a:ext cx="6400800" cy="694928"/>
+          </a:xfrm>
+        </p:spPr>
+        <p:txBody>
+          <a:bodyPr>
+            <a:normAutofit/>
+          </a:bodyPr>
+          <a:lstStyle/>
+          <a:p>
+            <a:pPr algn="r"/>
+            <a:r>
+              <a:rPr lang="pt-BR" sz="2800" dirty="0" smtClean="0">
+                <a:solidFill>
+                  <a:schemeClr val="bg1">
+                    <a:lumMod val="50000"/>
+                  </a:schemeClr>
+                </a:solidFill>
+              </a:rPr>
+              <a:t>Vander </a:t>
+            </a:r>
+            <a:r>
+              <a:rPr lang="pt-BR" sz="2800" dirty="0" err="1" smtClean="0">
+                <a:solidFill>
+                  <a:schemeClr val="bg1">
+                    <a:lumMod val="50000"/>
+                  </a:schemeClr>
+                </a:solidFill>
+              </a:rPr>
+              <a:t>Fillipe</a:t>
+            </a:r>
+            <a:r>
+              <a:rPr lang="pt-BR" sz="2800" dirty="0" smtClean="0">
+                <a:solidFill>
+                  <a:schemeClr val="bg1">
+                    <a:lumMod val="50000"/>
+                  </a:schemeClr>
+                </a:solidFill>
+              </a:rPr>
+              <a:t> de Souza</a:t>
+            </a:r>
+          </a:p>
+          <a:p>
+            <a:pPr algn="r"/>
+            <a:endParaRPr lang="pt-BR" sz="2800" dirty="0">
+              <a:solidFill>
+                <a:schemeClr val="bg1">
+                  <a:lumMod val="50000"/>
+                </a:schemeClr>
+              </a:solidFill>
+            </a:endParaRPr>
+          </a:p>
+        </p:txBody>
+      </p:sp>
     </p:spTree>
     <p:extLst>
       <p:ext uri="{BB962C8B-B14F-4D97-AF65-F5344CB8AC3E}">
@@ -4859,25 +5064,6 @@
               <a:t>Estrutura de dados</a:t>
             </a:r>
             <a:endParaRPr lang="pt-BR" dirty="0"/>
-          </a:p>
-        </p:txBody>
-      </p:sp>
-      <p:sp>
-        <p:nvSpPr>
-          <p:cNvPr id="3" name="Espaço Reservado para Texto 2"/>
-          <p:cNvSpPr>
-            <a:spLocks noGrp="1"/>
-          </p:cNvSpPr>
-          <p:nvPr>
-            <p:ph type="body" idx="1"/>
-          </p:nvPr>
-        </p:nvSpPr>
-        <p:spPr/>
-        <p:txBody>
-          <a:bodyPr/>
-          <a:lstStyle/>
-          <a:p>
-            <a:endParaRPr lang="pt-BR"/>
           </a:p>
         </p:txBody>
       </p:sp>
@@ -7624,7 +7810,7 @@
         </p:nvSpPr>
         <p:spPr>
           <a:xfrm>
-            <a:off x="457200" y="714356"/>
+            <a:off x="457200" y="457200"/>
             <a:ext cx="8229600" cy="1066800"/>
           </a:xfrm>
         </p:spPr>
@@ -10952,25 +11138,6 @@
               <a:t>Gráficos</a:t>
             </a:r>
             <a:endParaRPr lang="pt-BR" dirty="0"/>
-          </a:p>
-        </p:txBody>
-      </p:sp>
-      <p:sp>
-        <p:nvSpPr>
-          <p:cNvPr id="3" name="Espaço Reservado para Texto 2"/>
-          <p:cNvSpPr>
-            <a:spLocks noGrp="1"/>
-          </p:cNvSpPr>
-          <p:nvPr>
-            <p:ph type="body" idx="1"/>
-          </p:nvPr>
-        </p:nvSpPr>
-        <p:spPr/>
-        <p:txBody>
-          <a:bodyPr/>
-          <a:lstStyle/>
-          <a:p>
-            <a:endParaRPr lang="pt-BR"/>
           </a:p>
         </p:txBody>
       </p:sp>

--- a/Introdução ao R.pptx
+++ b/Introdução ao R.pptx
@@ -229,7 +229,7 @@
           <a:p>
             <a:fld id="{086ADF04-8B8C-4B1A-8906-EE89AE299368}" type="datetimeFigureOut">
               <a:rPr lang="en-US" smtClean="0"/>
-              <a:t>1/9/2019</a:t>
+              <a:t>1/24/2019</a:t>
             </a:fld>
             <a:endParaRPr lang="en-US"/>
           </a:p>
@@ -1198,7 +1198,7 @@
           <a:p>
             <a:fld id="{60B9C777-5F09-46E1-8868-4B013600B6B5}" type="datetimeFigureOut">
               <a:rPr lang="en-US" smtClean="0"/>
-              <a:t>1/9/2019</a:t>
+              <a:t>1/24/2019</a:t>
             </a:fld>
             <a:endParaRPr lang="en-US"/>
           </a:p>
@@ -1363,7 +1363,7 @@
           <a:p>
             <a:fld id="{60B9C777-5F09-46E1-8868-4B013600B6B5}" type="datetimeFigureOut">
               <a:rPr lang="en-US" smtClean="0"/>
-              <a:t>1/9/2019</a:t>
+              <a:t>1/24/2019</a:t>
             </a:fld>
             <a:endParaRPr lang="en-US"/>
           </a:p>
@@ -1538,7 +1538,7 @@
           <a:p>
             <a:fld id="{60B9C777-5F09-46E1-8868-4B013600B6B5}" type="datetimeFigureOut">
               <a:rPr lang="en-US" smtClean="0"/>
-              <a:t>1/9/2019</a:t>
+              <a:t>1/24/2019</a:t>
             </a:fld>
             <a:endParaRPr lang="en-US"/>
           </a:p>
@@ -1721,7 +1721,7 @@
           <a:p>
             <a:fld id="{60B9C777-5F09-46E1-8868-4B013600B6B5}" type="datetimeFigureOut">
               <a:rPr lang="en-US" smtClean="0"/>
-              <a:t>1/9/2019</a:t>
+              <a:t>1/24/2019</a:t>
             </a:fld>
             <a:endParaRPr lang="en-US"/>
           </a:p>
@@ -1983,7 +1983,7 @@
           <a:p>
             <a:fld id="{60B9C777-5F09-46E1-8868-4B013600B6B5}" type="datetimeFigureOut">
               <a:rPr lang="en-US" smtClean="0"/>
-              <a:t>1/9/2019</a:t>
+              <a:t>1/24/2019</a:t>
             </a:fld>
             <a:endParaRPr lang="en-US"/>
           </a:p>
@@ -2331,7 +2331,7 @@
           <a:p>
             <a:fld id="{60B9C777-5F09-46E1-8868-4B013600B6B5}" type="datetimeFigureOut">
               <a:rPr lang="en-US" smtClean="0"/>
-              <a:t>1/9/2019</a:t>
+              <a:t>1/24/2019</a:t>
             </a:fld>
             <a:endParaRPr lang="en-US"/>
           </a:p>
@@ -2639,7 +2639,7 @@
           <a:p>
             <a:fld id="{60B9C777-5F09-46E1-8868-4B013600B6B5}" type="datetimeFigureOut">
               <a:rPr lang="en-US" smtClean="0"/>
-              <a:t>1/9/2019</a:t>
+              <a:t>1/24/2019</a:t>
             </a:fld>
             <a:endParaRPr lang="en-US"/>
           </a:p>
@@ -2866,7 +2866,7 @@
           <a:p>
             <a:fld id="{60B9C777-5F09-46E1-8868-4B013600B6B5}" type="datetimeFigureOut">
               <a:rPr lang="en-US" smtClean="0"/>
-              <a:t>1/9/2019</a:t>
+              <a:t>1/24/2019</a:t>
             </a:fld>
             <a:endParaRPr lang="en-US"/>
           </a:p>
@@ -2956,7 +2956,7 @@
           <a:p>
             <a:fld id="{60B9C777-5F09-46E1-8868-4B013600B6B5}" type="datetimeFigureOut">
               <a:rPr lang="en-US" smtClean="0"/>
-              <a:t>1/9/2019</a:t>
+              <a:t>1/24/2019</a:t>
             </a:fld>
             <a:endParaRPr lang="en-US"/>
           </a:p>
@@ -3244,7 +3244,7 @@
           <a:p>
             <a:fld id="{60B9C777-5F09-46E1-8868-4B013600B6B5}" type="datetimeFigureOut">
               <a:rPr lang="en-US" smtClean="0"/>
-              <a:t>1/9/2019</a:t>
+              <a:t>1/24/2019</a:t>
             </a:fld>
             <a:endParaRPr lang="en-US"/>
           </a:p>
@@ -3513,7 +3513,7 @@
           <a:p>
             <a:fld id="{60B9C777-5F09-46E1-8868-4B013600B6B5}" type="datetimeFigureOut">
               <a:rPr lang="en-US" smtClean="0"/>
-              <a:t>1/9/2019</a:t>
+              <a:t>1/24/2019</a:t>
             </a:fld>
             <a:endParaRPr lang="en-US"/>
           </a:p>
@@ -3723,7 +3723,7 @@
           <a:p>
             <a:fld id="{60B9C777-5F09-46E1-8868-4B013600B6B5}" type="datetimeFigureOut">
               <a:rPr lang="en-US" smtClean="0"/>
-              <a:t>1/9/2019</a:t>
+              <a:t>1/24/2019</a:t>
             </a:fld>
             <a:endParaRPr lang="en-US"/>
           </a:p>
@@ -12785,8 +12785,12 @@
           <a:p>
             <a:pPr algn="ctr"/>
             <a:r>
+              <a:rPr lang="pt-BR" sz="1400" dirty="0"/>
+              <a:t>Argumento </a:t>
+            </a:r>
+            <a:r>
               <a:rPr lang="pt-BR" sz="1400" dirty="0" smtClean="0"/>
-              <a:t>Parâmetro “a”</a:t>
+              <a:t>“a”</a:t>
             </a:r>
             <a:endParaRPr lang="pt-BR" sz="1400" dirty="0"/>
           </a:p>
@@ -12817,7 +12821,15 @@
             <a:pPr algn="ctr"/>
             <a:r>
               <a:rPr lang="pt-BR" sz="1400" dirty="0" smtClean="0"/>
-              <a:t>Parâmetro “b”</a:t>
+              <a:t>Argumento</a:t>
+            </a:r>
+            <a:r>
+              <a:rPr lang="pt-BR" sz="1400" dirty="0" smtClean="0"/>
+              <a:t> </a:t>
+            </a:r>
+            <a:r>
+              <a:rPr lang="pt-BR" sz="1400" dirty="0" smtClean="0"/>
+              <a:t>“b”</a:t>
             </a:r>
             <a:endParaRPr lang="pt-BR" sz="1400" dirty="0"/>
           </a:p>
@@ -12831,8 +12843,8 @@
         </p:nvSpPr>
         <p:spPr>
           <a:xfrm>
-            <a:off x="6800124" y="2331601"/>
-            <a:ext cx="1419852" cy="307777"/>
+            <a:off x="6800123" y="2331601"/>
+            <a:ext cx="1427077" cy="307777"/>
           </a:xfrm>
           <a:prstGeom prst="rect">
             <a:avLst/>
@@ -12847,8 +12859,12 @@
           <a:p>
             <a:pPr algn="ctr"/>
             <a:r>
+              <a:rPr lang="pt-BR" sz="1400" dirty="0"/>
+              <a:t>Argumento </a:t>
+            </a:r>
+            <a:r>
               <a:rPr lang="pt-BR" sz="1400" dirty="0" smtClean="0"/>
-              <a:t>Parâmetro “n”</a:t>
+              <a:t>“n”</a:t>
             </a:r>
             <a:endParaRPr lang="pt-BR" sz="1400" dirty="0"/>
           </a:p>
@@ -12922,7 +12938,7 @@
         </p:nvSpPr>
         <p:spPr>
           <a:xfrm>
-            <a:off x="2400582" y="2154215"/>
+            <a:off x="2393952" y="2154215"/>
             <a:ext cx="1270821" cy="630942"/>
           </a:xfrm>
           <a:prstGeom prst="rect">
@@ -13178,99 +13194,6 @@
       </p:sp>
       <p:sp>
         <p:nvSpPr>
-          <p:cNvPr id="64" name="CaixaDeTexto 63"/>
-          <p:cNvSpPr txBox="1"/>
-          <p:nvPr/>
-        </p:nvSpPr>
-        <p:spPr>
-          <a:xfrm>
-            <a:off x="2691409" y="3411707"/>
-            <a:ext cx="1419852" cy="307777"/>
-          </a:xfrm>
-          <a:prstGeom prst="rect">
-            <a:avLst/>
-          </a:prstGeom>
-          <a:noFill/>
-        </p:spPr>
-        <p:txBody>
-          <a:bodyPr wrap="square" rtlCol="0">
-            <a:spAutoFit/>
-          </a:bodyPr>
-          <a:lstStyle/>
-          <a:p>
-            <a:pPr algn="ctr"/>
-            <a:r>
-              <a:rPr lang="pt-BR" sz="1400" dirty="0" smtClean="0"/>
-              <a:t>Parâmetro “a”</a:t>
-            </a:r>
-            <a:endParaRPr lang="pt-BR" sz="1400" dirty="0"/>
-          </a:p>
-        </p:txBody>
-      </p:sp>
-      <p:sp>
-        <p:nvSpPr>
-          <p:cNvPr id="65" name="CaixaDeTexto 64"/>
-          <p:cNvSpPr txBox="1"/>
-          <p:nvPr/>
-        </p:nvSpPr>
-        <p:spPr>
-          <a:xfrm>
-            <a:off x="4477968" y="3395225"/>
-            <a:ext cx="1419852" cy="307777"/>
-          </a:xfrm>
-          <a:prstGeom prst="rect">
-            <a:avLst/>
-          </a:prstGeom>
-          <a:noFill/>
-        </p:spPr>
-        <p:txBody>
-          <a:bodyPr wrap="square" rtlCol="0">
-            <a:spAutoFit/>
-          </a:bodyPr>
-          <a:lstStyle/>
-          <a:p>
-            <a:pPr algn="ctr"/>
-            <a:r>
-              <a:rPr lang="pt-BR" sz="1400" dirty="0" smtClean="0"/>
-              <a:t>Parâmetro “b”</a:t>
-            </a:r>
-            <a:endParaRPr lang="pt-BR" sz="1400" dirty="0"/>
-          </a:p>
-        </p:txBody>
-      </p:sp>
-      <p:sp>
-        <p:nvSpPr>
-          <p:cNvPr id="66" name="CaixaDeTexto 65"/>
-          <p:cNvSpPr txBox="1"/>
-          <p:nvPr/>
-        </p:nvSpPr>
-        <p:spPr>
-          <a:xfrm>
-            <a:off x="6807349" y="3384927"/>
-            <a:ext cx="1419852" cy="307777"/>
-          </a:xfrm>
-          <a:prstGeom prst="rect">
-            <a:avLst/>
-          </a:prstGeom>
-          <a:noFill/>
-        </p:spPr>
-        <p:txBody>
-          <a:bodyPr wrap="square" rtlCol="0">
-            <a:spAutoFit/>
-          </a:bodyPr>
-          <a:lstStyle/>
-          <a:p>
-            <a:pPr algn="ctr"/>
-            <a:r>
-              <a:rPr lang="pt-BR" sz="1400" dirty="0" smtClean="0"/>
-              <a:t>Parâmetro “n”</a:t>
-            </a:r>
-            <a:endParaRPr lang="pt-BR" sz="1400" dirty="0"/>
-          </a:p>
-        </p:txBody>
-      </p:sp>
-      <p:sp>
-        <p:nvSpPr>
           <p:cNvPr id="67" name="CaixaDeTexto 66"/>
           <p:cNvSpPr txBox="1"/>
           <p:nvPr/>
@@ -13588,99 +13511,6 @@
               <a:t>“Função N”</a:t>
             </a:r>
             <a:endParaRPr lang="pt-BR" sz="2000" dirty="0"/>
-          </a:p>
-        </p:txBody>
-      </p:sp>
-      <p:sp>
-        <p:nvSpPr>
-          <p:cNvPr id="76" name="CaixaDeTexto 75"/>
-          <p:cNvSpPr txBox="1"/>
-          <p:nvPr/>
-        </p:nvSpPr>
-        <p:spPr>
-          <a:xfrm>
-            <a:off x="2691409" y="5392751"/>
-            <a:ext cx="1419852" cy="307777"/>
-          </a:xfrm>
-          <a:prstGeom prst="rect">
-            <a:avLst/>
-          </a:prstGeom>
-          <a:noFill/>
-        </p:spPr>
-        <p:txBody>
-          <a:bodyPr wrap="square" rtlCol="0">
-            <a:spAutoFit/>
-          </a:bodyPr>
-          <a:lstStyle/>
-          <a:p>
-            <a:pPr algn="ctr"/>
-            <a:r>
-              <a:rPr lang="pt-BR" sz="1400" dirty="0" smtClean="0"/>
-              <a:t>Parâmetro “a”</a:t>
-            </a:r>
-            <a:endParaRPr lang="pt-BR" sz="1400" dirty="0"/>
-          </a:p>
-        </p:txBody>
-      </p:sp>
-      <p:sp>
-        <p:nvSpPr>
-          <p:cNvPr id="77" name="CaixaDeTexto 76"/>
-          <p:cNvSpPr txBox="1"/>
-          <p:nvPr/>
-        </p:nvSpPr>
-        <p:spPr>
-          <a:xfrm>
-            <a:off x="4477968" y="5376270"/>
-            <a:ext cx="1419852" cy="307777"/>
-          </a:xfrm>
-          <a:prstGeom prst="rect">
-            <a:avLst/>
-          </a:prstGeom>
-          <a:noFill/>
-        </p:spPr>
-        <p:txBody>
-          <a:bodyPr wrap="square" rtlCol="0">
-            <a:spAutoFit/>
-          </a:bodyPr>
-          <a:lstStyle/>
-          <a:p>
-            <a:pPr algn="ctr"/>
-            <a:r>
-              <a:rPr lang="pt-BR" sz="1400" dirty="0" smtClean="0"/>
-              <a:t>Parâmetro “b”</a:t>
-            </a:r>
-            <a:endParaRPr lang="pt-BR" sz="1400" dirty="0"/>
-          </a:p>
-        </p:txBody>
-      </p:sp>
-      <p:sp>
-        <p:nvSpPr>
-          <p:cNvPr id="78" name="CaixaDeTexto 77"/>
-          <p:cNvSpPr txBox="1"/>
-          <p:nvPr/>
-        </p:nvSpPr>
-        <p:spPr>
-          <a:xfrm>
-            <a:off x="6807349" y="5365972"/>
-            <a:ext cx="1419852" cy="307777"/>
-          </a:xfrm>
-          <a:prstGeom prst="rect">
-            <a:avLst/>
-          </a:prstGeom>
-          <a:noFill/>
-        </p:spPr>
-        <p:txBody>
-          <a:bodyPr wrap="square" rtlCol="0">
-            <a:spAutoFit/>
-          </a:bodyPr>
-          <a:lstStyle/>
-          <a:p>
-            <a:pPr algn="ctr"/>
-            <a:r>
-              <a:rPr lang="pt-BR" sz="1400" dirty="0" smtClean="0"/>
-              <a:t>Parâmetro “n”</a:t>
-            </a:r>
-            <a:endParaRPr lang="pt-BR" sz="1400" dirty="0"/>
           </a:p>
         </p:txBody>
       </p:sp>
@@ -13908,6 +13738,224 @@
           </p:txBody>
         </p:sp>
       </p:grpSp>
+      <p:sp>
+        <p:nvSpPr>
+          <p:cNvPr id="44" name="CaixaDeTexto 43"/>
+          <p:cNvSpPr txBox="1"/>
+          <p:nvPr/>
+        </p:nvSpPr>
+        <p:spPr>
+          <a:xfrm>
+            <a:off x="2667000" y="3426023"/>
+            <a:ext cx="1419852" cy="307777"/>
+          </a:xfrm>
+          <a:prstGeom prst="rect">
+            <a:avLst/>
+          </a:prstGeom>
+          <a:noFill/>
+        </p:spPr>
+        <p:txBody>
+          <a:bodyPr wrap="square" rtlCol="0">
+            <a:spAutoFit/>
+          </a:bodyPr>
+          <a:lstStyle/>
+          <a:p>
+            <a:pPr algn="ctr"/>
+            <a:r>
+              <a:rPr lang="pt-BR" sz="1400" dirty="0"/>
+              <a:t>Argumento </a:t>
+            </a:r>
+            <a:r>
+              <a:rPr lang="pt-BR" sz="1400" dirty="0" smtClean="0"/>
+              <a:t>“a”</a:t>
+            </a:r>
+            <a:endParaRPr lang="pt-BR" sz="1400" dirty="0"/>
+          </a:p>
+        </p:txBody>
+      </p:sp>
+      <p:sp>
+        <p:nvSpPr>
+          <p:cNvPr id="87" name="CaixaDeTexto 86"/>
+          <p:cNvSpPr txBox="1"/>
+          <p:nvPr/>
+        </p:nvSpPr>
+        <p:spPr>
+          <a:xfrm>
+            <a:off x="4453559" y="3409542"/>
+            <a:ext cx="1419852" cy="307777"/>
+          </a:xfrm>
+          <a:prstGeom prst="rect">
+            <a:avLst/>
+          </a:prstGeom>
+          <a:noFill/>
+        </p:spPr>
+        <p:txBody>
+          <a:bodyPr wrap="square" rtlCol="0">
+            <a:spAutoFit/>
+          </a:bodyPr>
+          <a:lstStyle/>
+          <a:p>
+            <a:pPr algn="ctr"/>
+            <a:r>
+              <a:rPr lang="pt-BR" sz="1400" dirty="0" smtClean="0"/>
+              <a:t>Argumento</a:t>
+            </a:r>
+            <a:r>
+              <a:rPr lang="pt-BR" sz="1400" dirty="0" smtClean="0"/>
+              <a:t> </a:t>
+            </a:r>
+            <a:r>
+              <a:rPr lang="pt-BR" sz="1400" dirty="0" smtClean="0"/>
+              <a:t>“b”</a:t>
+            </a:r>
+            <a:endParaRPr lang="pt-BR" sz="1400" dirty="0"/>
+          </a:p>
+        </p:txBody>
+      </p:sp>
+      <p:sp>
+        <p:nvSpPr>
+          <p:cNvPr id="88" name="CaixaDeTexto 87"/>
+          <p:cNvSpPr txBox="1"/>
+          <p:nvPr/>
+        </p:nvSpPr>
+        <p:spPr>
+          <a:xfrm>
+            <a:off x="6782938" y="3399243"/>
+            <a:ext cx="1427077" cy="307777"/>
+          </a:xfrm>
+          <a:prstGeom prst="rect">
+            <a:avLst/>
+          </a:prstGeom>
+          <a:noFill/>
+        </p:spPr>
+        <p:txBody>
+          <a:bodyPr wrap="square" rtlCol="0">
+            <a:spAutoFit/>
+          </a:bodyPr>
+          <a:lstStyle/>
+          <a:p>
+            <a:pPr algn="ctr"/>
+            <a:r>
+              <a:rPr lang="pt-BR" sz="1400" dirty="0"/>
+              <a:t>Argumento </a:t>
+            </a:r>
+            <a:r>
+              <a:rPr lang="pt-BR" sz="1400" dirty="0" smtClean="0"/>
+              <a:t>“n”</a:t>
+            </a:r>
+            <a:endParaRPr lang="pt-BR" sz="1400" dirty="0"/>
+          </a:p>
+        </p:txBody>
+      </p:sp>
+      <p:sp>
+        <p:nvSpPr>
+          <p:cNvPr id="89" name="CaixaDeTexto 88"/>
+          <p:cNvSpPr txBox="1"/>
+          <p:nvPr/>
+        </p:nvSpPr>
+        <p:spPr>
+          <a:xfrm>
+            <a:off x="2686585" y="5360780"/>
+            <a:ext cx="1419852" cy="307777"/>
+          </a:xfrm>
+          <a:prstGeom prst="rect">
+            <a:avLst/>
+          </a:prstGeom>
+          <a:noFill/>
+        </p:spPr>
+        <p:txBody>
+          <a:bodyPr wrap="square" rtlCol="0">
+            <a:spAutoFit/>
+          </a:bodyPr>
+          <a:lstStyle/>
+          <a:p>
+            <a:pPr algn="ctr"/>
+            <a:r>
+              <a:rPr lang="pt-BR" sz="1400" dirty="0"/>
+              <a:t>Argumento </a:t>
+            </a:r>
+            <a:r>
+              <a:rPr lang="pt-BR" sz="1400" dirty="0" smtClean="0"/>
+              <a:t>“a”</a:t>
+            </a:r>
+            <a:endParaRPr lang="pt-BR" sz="1400" dirty="0"/>
+          </a:p>
+        </p:txBody>
+      </p:sp>
+      <p:sp>
+        <p:nvSpPr>
+          <p:cNvPr id="90" name="CaixaDeTexto 89"/>
+          <p:cNvSpPr txBox="1"/>
+          <p:nvPr/>
+        </p:nvSpPr>
+        <p:spPr>
+          <a:xfrm>
+            <a:off x="4473144" y="5344299"/>
+            <a:ext cx="1419852" cy="307777"/>
+          </a:xfrm>
+          <a:prstGeom prst="rect">
+            <a:avLst/>
+          </a:prstGeom>
+          <a:noFill/>
+        </p:spPr>
+        <p:txBody>
+          <a:bodyPr wrap="square" rtlCol="0">
+            <a:spAutoFit/>
+          </a:bodyPr>
+          <a:lstStyle/>
+          <a:p>
+            <a:pPr algn="ctr"/>
+            <a:r>
+              <a:rPr lang="pt-BR" sz="1400" dirty="0" smtClean="0"/>
+              <a:t>Argumento</a:t>
+            </a:r>
+            <a:r>
+              <a:rPr lang="pt-BR" sz="1400" dirty="0" smtClean="0"/>
+              <a:t> </a:t>
+            </a:r>
+            <a:r>
+              <a:rPr lang="pt-BR" sz="1400" dirty="0" smtClean="0"/>
+              <a:t>“b”</a:t>
+            </a:r>
+            <a:endParaRPr lang="pt-BR" sz="1400" dirty="0"/>
+          </a:p>
+        </p:txBody>
+      </p:sp>
+      <p:sp>
+        <p:nvSpPr>
+          <p:cNvPr id="91" name="CaixaDeTexto 90"/>
+          <p:cNvSpPr txBox="1"/>
+          <p:nvPr/>
+        </p:nvSpPr>
+        <p:spPr>
+          <a:xfrm>
+            <a:off x="6802523" y="5334000"/>
+            <a:ext cx="1427077" cy="307777"/>
+          </a:xfrm>
+          <a:prstGeom prst="rect">
+            <a:avLst/>
+          </a:prstGeom>
+          <a:noFill/>
+        </p:spPr>
+        <p:txBody>
+          <a:bodyPr wrap="square" rtlCol="0">
+            <a:spAutoFit/>
+          </a:bodyPr>
+          <a:lstStyle/>
+          <a:p>
+            <a:pPr algn="ctr"/>
+            <a:r>
+              <a:rPr lang="pt-BR" sz="1400" dirty="0"/>
+              <a:t>Argumento </a:t>
+            </a:r>
+            <a:r>
+              <a:rPr lang="pt-BR" sz="1400" dirty="0" smtClean="0"/>
+              <a:t>“n”</a:t>
+            </a:r>
+            <a:endParaRPr lang="pt-BR" sz="1400" dirty="0"/>
+          </a:p>
+        </p:txBody>
+      </p:sp>
     </p:spTree>
     <p:extLst>
       <p:ext uri="{BB962C8B-B14F-4D97-AF65-F5344CB8AC3E}">
